--- a/中特/复习ppt/黄瑶-文化.pptx
+++ b/中特/复习ppt/黄瑶-文化.pptx
@@ -4151,7 +4151,7 @@
   <dgm:whole/>
   <dgm:extLst>
     <a:ext uri="http://schemas.microsoft.com/office/drawing/2008/diagram">
-      <dsp:dataModelExt xmlns:dsp="http://schemas.microsoft.com/office/drawing/2008/diagram" relId="rId7" minVer="http://schemas.openxmlformats.org/drawingml/2006/diagram"/>
+      <dsp:dataModelExt xmlns:dsp="http://schemas.microsoft.com/office/drawing/2008/diagram" relId="rId6" minVer="http://schemas.openxmlformats.org/drawingml/2006/diagram"/>
     </a:ext>
   </dgm:extLst>
 </dgm:dataModel>
@@ -5605,6 +5605,7 @@
             <a:rPr lang="zh-CN" altLang="en-US" sz="2800" kern="1200" dirty="0"/>
             <a:t>四、核心价值观</a:t>
           </a:r>
+          <a:endParaRPr lang="zh-CN" sz="2800" kern="1200" dirty="0"/>
         </a:p>
       </dsp:txBody>
       <dsp:txXfrm>
@@ -14246,7 +14247,7 @@
           <a:p>
             <a:fld id="{04AB8F35-7CDB-4116-8A4B-3F4DF38FCB2A}" type="datetimeFigureOut">
               <a:rPr lang="zh-CN" altLang="en-US" smtClean="0"/>
-              <a:t>21/1/2</a:t>
+              <a:t>21/1/3</a:t>
             </a:fld>
             <a:endParaRPr lang="zh-CN" altLang="en-US"/>
           </a:p>
@@ -14744,7 +14745,7 @@
           <a:p>
             <a:fld id="{530820CF-B880-4189-942D-D702A7CBA730}" type="datetimeFigureOut">
               <a:rPr lang="zh-CN" altLang="en-US" smtClean="0"/>
-              <a:t>21/1/2</a:t>
+              <a:t>21/1/3</a:t>
             </a:fld>
             <a:endParaRPr lang="zh-CN" altLang="en-US"/>
           </a:p>
@@ -14942,7 +14943,7 @@
           <a:p>
             <a:fld id="{530820CF-B880-4189-942D-D702A7CBA730}" type="datetimeFigureOut">
               <a:rPr lang="zh-CN" altLang="en-US" smtClean="0"/>
-              <a:t>21/1/2</a:t>
+              <a:t>21/1/3</a:t>
             </a:fld>
             <a:endParaRPr lang="zh-CN" altLang="en-US"/>
           </a:p>
@@ -15150,7 +15151,7 @@
           <a:p>
             <a:fld id="{530820CF-B880-4189-942D-D702A7CBA730}" type="datetimeFigureOut">
               <a:rPr lang="zh-CN" altLang="en-US" smtClean="0"/>
-              <a:t>21/1/2</a:t>
+              <a:t>21/1/3</a:t>
             </a:fld>
             <a:endParaRPr lang="zh-CN" altLang="en-US"/>
           </a:p>
@@ -15348,7 +15349,7 @@
           <a:p>
             <a:fld id="{530820CF-B880-4189-942D-D702A7CBA730}" type="datetimeFigureOut">
               <a:rPr lang="zh-CN" altLang="en-US" smtClean="0"/>
-              <a:t>21/1/2</a:t>
+              <a:t>21/1/3</a:t>
             </a:fld>
             <a:endParaRPr lang="zh-CN" altLang="en-US"/>
           </a:p>
@@ -15623,7 +15624,7 @@
           <a:p>
             <a:fld id="{530820CF-B880-4189-942D-D702A7CBA730}" type="datetimeFigureOut">
               <a:rPr lang="zh-CN" altLang="en-US" smtClean="0"/>
-              <a:t>21/1/2</a:t>
+              <a:t>21/1/3</a:t>
             </a:fld>
             <a:endParaRPr lang="zh-CN" altLang="en-US"/>
           </a:p>
@@ -15888,7 +15889,7 @@
           <a:p>
             <a:fld id="{530820CF-B880-4189-942D-D702A7CBA730}" type="datetimeFigureOut">
               <a:rPr lang="zh-CN" altLang="en-US" smtClean="0"/>
-              <a:t>21/1/2</a:t>
+              <a:t>21/1/3</a:t>
             </a:fld>
             <a:endParaRPr lang="zh-CN" altLang="en-US"/>
           </a:p>
@@ -16300,7 +16301,7 @@
           <a:p>
             <a:fld id="{530820CF-B880-4189-942D-D702A7CBA730}" type="datetimeFigureOut">
               <a:rPr lang="zh-CN" altLang="en-US" smtClean="0"/>
-              <a:t>21/1/2</a:t>
+              <a:t>21/1/3</a:t>
             </a:fld>
             <a:endParaRPr lang="zh-CN" altLang="en-US"/>
           </a:p>
@@ -16441,7 +16442,7 @@
           <a:p>
             <a:fld id="{530820CF-B880-4189-942D-D702A7CBA730}" type="datetimeFigureOut">
               <a:rPr lang="zh-CN" altLang="en-US" smtClean="0"/>
-              <a:t>21/1/2</a:t>
+              <a:t>21/1/3</a:t>
             </a:fld>
             <a:endParaRPr lang="zh-CN" altLang="en-US"/>
           </a:p>
@@ -16554,7 +16555,7 @@
           <a:p>
             <a:fld id="{530820CF-B880-4189-942D-D702A7CBA730}" type="datetimeFigureOut">
               <a:rPr lang="zh-CN" altLang="en-US" smtClean="0"/>
-              <a:t>21/1/2</a:t>
+              <a:t>21/1/3</a:t>
             </a:fld>
             <a:endParaRPr lang="zh-CN" altLang="en-US"/>
           </a:p>
@@ -16865,7 +16866,7 @@
           <a:p>
             <a:fld id="{530820CF-B880-4189-942D-D702A7CBA730}" type="datetimeFigureOut">
               <a:rPr lang="zh-CN" altLang="en-US" smtClean="0"/>
-              <a:t>21/1/2</a:t>
+              <a:t>21/1/3</a:t>
             </a:fld>
             <a:endParaRPr lang="zh-CN" altLang="en-US"/>
           </a:p>
@@ -17153,7 +17154,7 @@
           <a:p>
             <a:fld id="{530820CF-B880-4189-942D-D702A7CBA730}" type="datetimeFigureOut">
               <a:rPr lang="zh-CN" altLang="en-US" smtClean="0"/>
-              <a:t>21/1/2</a:t>
+              <a:t>21/1/3</a:t>
             </a:fld>
             <a:endParaRPr lang="zh-CN" altLang="en-US"/>
           </a:p>
@@ -17394,7 +17395,7 @@
           <a:p>
             <a:fld id="{530820CF-B880-4189-942D-D702A7CBA730}" type="datetimeFigureOut">
               <a:rPr lang="zh-CN" altLang="en-US" smtClean="0"/>
-              <a:t>21/1/2</a:t>
+              <a:t>21/1/3</a:t>
             </a:fld>
             <a:endParaRPr lang="zh-CN" altLang="en-US"/>
           </a:p>
@@ -19561,30 +19562,6 @@
 <file path=ppt/slides/slide2.xml><?xml version="1.0" encoding="utf-8"?>
 <p:sld xmlns:a="http://schemas.openxmlformats.org/drawingml/2006/main" xmlns:r="http://schemas.openxmlformats.org/officeDocument/2006/relationships" xmlns:p="http://schemas.openxmlformats.org/presentationml/2006/main">
   <p:cSld>
-    <p:bg>
-      <p:bgPr>
-        <a:blipFill rotWithShape="1">
-          <a:blip r:embed="rId2">
-            <a:duotone>
-              <a:schemeClr val="bg2">
-                <a:shade val="69000"/>
-                <a:hueMod val="108000"/>
-                <a:satMod val="164000"/>
-                <a:lumMod val="74000"/>
-              </a:schemeClr>
-              <a:schemeClr val="bg2">
-                <a:tint val="96000"/>
-                <a:hueMod val="88000"/>
-                <a:satMod val="140000"/>
-                <a:lumMod val="132000"/>
-              </a:schemeClr>
-            </a:duotone>
-          </a:blip>
-          <a:stretch/>
-        </a:blipFill>
-        <a:effectLst/>
-      </p:bgPr>
-    </p:bg>
     <p:spTree>
       <p:nvGrpSpPr>
         <p:cNvPr id="1" name=""/>
@@ -19661,7 +19638,7 @@
         </p:xfrm>
         <a:graphic>
           <a:graphicData uri="http://schemas.openxmlformats.org/drawingml/2006/diagram">
-            <dgm:relIds xmlns:dgm="http://schemas.openxmlformats.org/drawingml/2006/diagram" xmlns:r="http://schemas.openxmlformats.org/officeDocument/2006/relationships" r:dm="rId3" r:lo="rId4" r:qs="rId5" r:cs="rId6"/>
+            <dgm:relIds xmlns:dgm="http://schemas.openxmlformats.org/drawingml/2006/diagram" xmlns:r="http://schemas.openxmlformats.org/officeDocument/2006/relationships" r:dm="rId2" r:lo="rId3" r:qs="rId4" r:cs="rId5"/>
           </a:graphicData>
         </a:graphic>
       </p:graphicFrame>

--- a/中特/复习ppt/黄瑶-文化.pptx
+++ b/中特/复习ppt/黄瑶-文化.pptx
@@ -1181,167 +1181,85 @@
 </file>
 
 <file path=ppt/diagrams/colors2.xml><?xml version="1.0" encoding="utf-8"?>
-<dgm:colorsDef xmlns:dgm="http://schemas.openxmlformats.org/drawingml/2006/diagram" xmlns:a="http://schemas.openxmlformats.org/drawingml/2006/main" uniqueId="urn:microsoft.com/office/officeart/2005/8/colors/accent1_2">
+<dgm:colorsDef xmlns:dgm="http://schemas.openxmlformats.org/drawingml/2006/diagram" xmlns:a="http://schemas.openxmlformats.org/drawingml/2006/main" uniqueId="urn:microsoft.com/office/officeart/2005/8/colors/accent0_1">
   <dgm:title val=""/>
   <dgm:desc val=""/>
   <dgm:catLst>
-    <dgm:cat type="accent1" pri="11200"/>
+    <dgm:cat type="mainScheme" pri="10100"/>
   </dgm:catLst>
   <dgm:styleLbl name="node0">
     <dgm:fillClrLst meth="repeat">
-      <a:schemeClr val="accent1"/>
+      <a:schemeClr val="lt1"/>
     </dgm:fillClrLst>
     <dgm:linClrLst meth="repeat">
-      <a:schemeClr val="lt1"/>
+      <a:schemeClr val="dk1">
+        <a:shade val="80000"/>
+      </a:schemeClr>
     </dgm:linClrLst>
     <dgm:effectClrLst/>
     <dgm:txLinClrLst/>
-    <dgm:txFillClrLst/>
+    <dgm:txFillClrLst meth="repeat">
+      <a:schemeClr val="dk1"/>
+    </dgm:txFillClrLst>
     <dgm:txEffectClrLst/>
   </dgm:styleLbl>
-  <dgm:styleLbl name="alignNode1">
+  <dgm:styleLbl name="node1">
     <dgm:fillClrLst meth="repeat">
-      <a:schemeClr val="accent1"/>
+      <a:schemeClr val="lt1"/>
     </dgm:fillClrLst>
     <dgm:linClrLst meth="repeat">
-      <a:schemeClr val="accent1"/>
+      <a:schemeClr val="dk1">
+        <a:shade val="80000"/>
+      </a:schemeClr>
     </dgm:linClrLst>
     <dgm:effectClrLst/>
     <dgm:txLinClrLst/>
-    <dgm:txFillClrLst/>
+    <dgm:txFillClrLst meth="repeat">
+      <a:schemeClr val="dk1"/>
+    </dgm:txFillClrLst>
     <dgm:txEffectClrLst/>
   </dgm:styleLbl>
-  <dgm:styleLbl name="node1">
+  <dgm:styleLbl name="alignNode1">
     <dgm:fillClrLst meth="repeat">
-      <a:schemeClr val="accent1"/>
+      <a:schemeClr val="lt1"/>
     </dgm:fillClrLst>
     <dgm:linClrLst meth="repeat">
-      <a:schemeClr val="lt1"/>
+      <a:schemeClr val="dk1">
+        <a:shade val="80000"/>
+      </a:schemeClr>
     </dgm:linClrLst>
     <dgm:effectClrLst/>
     <dgm:txLinClrLst/>
-    <dgm:txFillClrLst/>
+    <dgm:txFillClrLst meth="repeat">
+      <a:schemeClr val="dk1"/>
+    </dgm:txFillClrLst>
     <dgm:txEffectClrLst/>
   </dgm:styleLbl>
   <dgm:styleLbl name="lnNode1">
     <dgm:fillClrLst meth="repeat">
-      <a:schemeClr val="accent1"/>
+      <a:schemeClr val="lt1"/>
     </dgm:fillClrLst>
     <dgm:linClrLst meth="repeat">
-      <a:schemeClr val="lt1"/>
+      <a:schemeClr val="dk1">
+        <a:shade val="80000"/>
+      </a:schemeClr>
     </dgm:linClrLst>
     <dgm:effectClrLst/>
     <dgm:txLinClrLst/>
-    <dgm:txFillClrLst/>
+    <dgm:txFillClrLst meth="repeat">
+      <a:schemeClr val="dk1"/>
+    </dgm:txFillClrLst>
     <dgm:txEffectClrLst/>
   </dgm:styleLbl>
   <dgm:styleLbl name="vennNode1">
     <dgm:fillClrLst meth="repeat">
-      <a:schemeClr val="accent1">
+      <a:schemeClr val="lt1">
         <a:alpha val="50000"/>
       </a:schemeClr>
     </dgm:fillClrLst>
     <dgm:linClrLst meth="repeat">
-      <a:schemeClr val="lt1"/>
-    </dgm:linClrLst>
-    <dgm:effectClrLst/>
-    <dgm:txLinClrLst/>
-    <dgm:txFillClrLst/>
-    <dgm:txEffectClrLst/>
-  </dgm:styleLbl>
-  <dgm:styleLbl name="node2">
-    <dgm:fillClrLst meth="repeat">
-      <a:schemeClr val="accent1"/>
-    </dgm:fillClrLst>
-    <dgm:linClrLst meth="repeat">
-      <a:schemeClr val="lt1"/>
-    </dgm:linClrLst>
-    <dgm:effectClrLst/>
-    <dgm:txLinClrLst/>
-    <dgm:txFillClrLst/>
-    <dgm:txEffectClrLst/>
-  </dgm:styleLbl>
-  <dgm:styleLbl name="node3">
-    <dgm:fillClrLst meth="repeat">
-      <a:schemeClr val="accent1"/>
-    </dgm:fillClrLst>
-    <dgm:linClrLst meth="repeat">
-      <a:schemeClr val="lt1"/>
-    </dgm:linClrLst>
-    <dgm:effectClrLst/>
-    <dgm:txLinClrLst/>
-    <dgm:txFillClrLst/>
-    <dgm:txEffectClrLst/>
-  </dgm:styleLbl>
-  <dgm:styleLbl name="node4">
-    <dgm:fillClrLst meth="repeat">
-      <a:schemeClr val="accent1"/>
-    </dgm:fillClrLst>
-    <dgm:linClrLst meth="repeat">
-      <a:schemeClr val="lt1"/>
-    </dgm:linClrLst>
-    <dgm:effectClrLst/>
-    <dgm:txLinClrLst/>
-    <dgm:txFillClrLst/>
-    <dgm:txEffectClrLst/>
-  </dgm:styleLbl>
-  <dgm:styleLbl name="fgImgPlace1">
-    <dgm:fillClrLst meth="repeat">
-      <a:schemeClr val="accent1">
-        <a:tint val="50000"/>
-      </a:schemeClr>
-    </dgm:fillClrLst>
-    <dgm:linClrLst meth="repeat">
-      <a:schemeClr val="lt1"/>
-    </dgm:linClrLst>
-    <dgm:effectClrLst/>
-    <dgm:txLinClrLst/>
-    <dgm:txFillClrLst meth="repeat">
-      <a:schemeClr val="lt1"/>
-    </dgm:txFillClrLst>
-    <dgm:txEffectClrLst/>
-  </dgm:styleLbl>
-  <dgm:styleLbl name="alignImgPlace1">
-    <dgm:fillClrLst meth="repeat">
-      <a:schemeClr val="accent1">
-        <a:tint val="50000"/>
-      </a:schemeClr>
-    </dgm:fillClrLst>
-    <dgm:linClrLst meth="repeat">
-      <a:schemeClr val="lt1"/>
-    </dgm:linClrLst>
-    <dgm:effectClrLst/>
-    <dgm:txLinClrLst/>
-    <dgm:txFillClrLst meth="repeat">
-      <a:schemeClr val="lt1"/>
-    </dgm:txFillClrLst>
-    <dgm:txEffectClrLst/>
-  </dgm:styleLbl>
-  <dgm:styleLbl name="bgImgPlace1">
-    <dgm:fillClrLst meth="repeat">
-      <a:schemeClr val="accent1">
-        <a:tint val="50000"/>
-      </a:schemeClr>
-    </dgm:fillClrLst>
-    <dgm:linClrLst meth="repeat">
-      <a:schemeClr val="lt1"/>
-    </dgm:linClrLst>
-    <dgm:effectClrLst/>
-    <dgm:txLinClrLst/>
-    <dgm:txFillClrLst meth="repeat">
-      <a:schemeClr val="lt1"/>
-    </dgm:txFillClrLst>
-    <dgm:txEffectClrLst/>
-  </dgm:styleLbl>
-  <dgm:styleLbl name="sibTrans2D1">
-    <dgm:fillClrLst meth="repeat">
-      <a:schemeClr val="accent1">
-        <a:tint val="60000"/>
-      </a:schemeClr>
-    </dgm:fillClrLst>
-    <dgm:linClrLst meth="repeat">
-      <a:schemeClr val="accent1">
-        <a:tint val="60000"/>
+      <a:schemeClr val="dk1">
+        <a:shade val="80000"/>
       </a:schemeClr>
     </dgm:linClrLst>
     <dgm:effectClrLst/>
@@ -1349,137 +1267,63 @@
     <dgm:txFillClrLst/>
     <dgm:txEffectClrLst/>
   </dgm:styleLbl>
-  <dgm:styleLbl name="fgSibTrans2D1">
+  <dgm:styleLbl name="node2">
     <dgm:fillClrLst meth="repeat">
-      <a:schemeClr val="accent1">
-        <a:tint val="60000"/>
-      </a:schemeClr>
+      <a:schemeClr val="lt1"/>
     </dgm:fillClrLst>
     <dgm:linClrLst meth="repeat">
-      <a:schemeClr val="accent1">
-        <a:tint val="60000"/>
-      </a:schemeClr>
-    </dgm:linClrLst>
-    <dgm:effectClrLst/>
-    <dgm:txLinClrLst/>
-    <dgm:txFillClrLst/>
-    <dgm:txEffectClrLst/>
-  </dgm:styleLbl>
-  <dgm:styleLbl name="bgSibTrans2D1">
-    <dgm:fillClrLst meth="repeat">
-      <a:schemeClr val="accent1">
-        <a:tint val="60000"/>
-      </a:schemeClr>
-    </dgm:fillClrLst>
-    <dgm:linClrLst meth="repeat">
-      <a:schemeClr val="accent1">
-        <a:tint val="60000"/>
-      </a:schemeClr>
-    </dgm:linClrLst>
-    <dgm:effectClrLst/>
-    <dgm:txLinClrLst/>
-    <dgm:txFillClrLst/>
-    <dgm:txEffectClrLst/>
-  </dgm:styleLbl>
-  <dgm:styleLbl name="sibTrans1D1">
-    <dgm:fillClrLst meth="repeat">
-      <a:schemeClr val="accent1"/>
-    </dgm:fillClrLst>
-    <dgm:linClrLst meth="repeat">
-      <a:schemeClr val="accent1"/>
-    </dgm:linClrLst>
-    <dgm:effectClrLst/>
-    <dgm:txLinClrLst/>
-    <dgm:txFillClrLst meth="repeat">
-      <a:schemeClr val="tx1"/>
-    </dgm:txFillClrLst>
-    <dgm:txEffectClrLst/>
-  </dgm:styleLbl>
-  <dgm:styleLbl name="callout">
-    <dgm:fillClrLst meth="repeat">
-      <a:schemeClr val="accent1"/>
-    </dgm:fillClrLst>
-    <dgm:linClrLst meth="repeat">
-      <a:schemeClr val="accent1">
-        <a:tint val="50000"/>
+      <a:schemeClr val="dk1">
+        <a:shade val="80000"/>
       </a:schemeClr>
     </dgm:linClrLst>
     <dgm:effectClrLst/>
     <dgm:txLinClrLst/>
     <dgm:txFillClrLst meth="repeat">
-      <a:schemeClr val="tx1"/>
+      <a:schemeClr val="dk1"/>
     </dgm:txFillClrLst>
     <dgm:txEffectClrLst/>
   </dgm:styleLbl>
-  <dgm:styleLbl name="asst0">
+  <dgm:styleLbl name="node3">
     <dgm:fillClrLst meth="repeat">
-      <a:schemeClr val="accent1"/>
+      <a:schemeClr val="lt1"/>
     </dgm:fillClrLst>
     <dgm:linClrLst meth="repeat">
-      <a:schemeClr val="lt1"/>
+      <a:schemeClr val="dk1">
+        <a:shade val="80000"/>
+      </a:schemeClr>
     </dgm:linClrLst>
     <dgm:effectClrLst/>
     <dgm:txLinClrLst/>
-    <dgm:txFillClrLst/>
+    <dgm:txFillClrLst meth="repeat">
+      <a:schemeClr val="dk1"/>
+    </dgm:txFillClrLst>
     <dgm:txEffectClrLst/>
   </dgm:styleLbl>
-  <dgm:styleLbl name="asst1">
+  <dgm:styleLbl name="node4">
     <dgm:fillClrLst meth="repeat">
-      <a:schemeClr val="accent1"/>
+      <a:schemeClr val="lt1"/>
     </dgm:fillClrLst>
     <dgm:linClrLst meth="repeat">
-      <a:schemeClr val="lt1"/>
+      <a:schemeClr val="dk1">
+        <a:shade val="80000"/>
+      </a:schemeClr>
     </dgm:linClrLst>
     <dgm:effectClrLst/>
     <dgm:txLinClrLst/>
-    <dgm:txFillClrLst/>
+    <dgm:txFillClrLst meth="repeat">
+      <a:schemeClr val="dk1"/>
+    </dgm:txFillClrLst>
     <dgm:txEffectClrLst/>
   </dgm:styleLbl>
-  <dgm:styleLbl name="asst2">
+  <dgm:styleLbl name="fgImgPlace1">
     <dgm:fillClrLst meth="repeat">
-      <a:schemeClr val="accent1"/>
-    </dgm:fillClrLst>
-    <dgm:linClrLst meth="repeat">
-      <a:schemeClr val="lt1"/>
-    </dgm:linClrLst>
-    <dgm:effectClrLst/>
-    <dgm:txLinClrLst/>
-    <dgm:txFillClrLst/>
-    <dgm:txEffectClrLst/>
-  </dgm:styleLbl>
-  <dgm:styleLbl name="asst3">
-    <dgm:fillClrLst meth="repeat">
-      <a:schemeClr val="accent1"/>
-    </dgm:fillClrLst>
-    <dgm:linClrLst meth="repeat">
-      <a:schemeClr val="lt1"/>
-    </dgm:linClrLst>
-    <dgm:effectClrLst/>
-    <dgm:txLinClrLst/>
-    <dgm:txFillClrLst/>
-    <dgm:txEffectClrLst/>
-  </dgm:styleLbl>
-  <dgm:styleLbl name="asst4">
-    <dgm:fillClrLst meth="repeat">
-      <a:schemeClr val="accent1"/>
-    </dgm:fillClrLst>
-    <dgm:linClrLst meth="repeat">
-      <a:schemeClr val="lt1"/>
-    </dgm:linClrLst>
-    <dgm:effectClrLst/>
-    <dgm:txLinClrLst/>
-    <dgm:txFillClrLst/>
-    <dgm:txEffectClrLst/>
-  </dgm:styleLbl>
-  <dgm:styleLbl name="parChTrans2D1">
-    <dgm:fillClrLst meth="repeat">
-      <a:schemeClr val="accent1">
-        <a:tint val="60000"/>
+      <a:schemeClr val="dk1">
+        <a:tint val="40000"/>
       </a:schemeClr>
     </dgm:fillClrLst>
     <dgm:linClrLst meth="repeat">
-      <a:schemeClr val="accent1">
-        <a:tint val="60000"/>
+      <a:schemeClr val="dk1">
+        <a:shade val="80000"/>
       </a:schemeClr>
     </dgm:linClrLst>
     <dgm:effectClrLst/>
@@ -1489,12 +1333,16 @@
     </dgm:txFillClrLst>
     <dgm:txEffectClrLst/>
   </dgm:styleLbl>
-  <dgm:styleLbl name="parChTrans2D2">
+  <dgm:styleLbl name="alignImgPlace1">
     <dgm:fillClrLst meth="repeat">
-      <a:schemeClr val="accent1"/>
+      <a:schemeClr val="dk1">
+        <a:tint val="40000"/>
+      </a:schemeClr>
     </dgm:fillClrLst>
     <dgm:linClrLst meth="repeat">
-      <a:schemeClr val="accent1"/>
+      <a:schemeClr val="dk1">
+        <a:shade val="80000"/>
+      </a:schemeClr>
     </dgm:linClrLst>
     <dgm:effectClrLst/>
     <dgm:txLinClrLst/>
@@ -1503,12 +1351,16 @@
     </dgm:txFillClrLst>
     <dgm:txEffectClrLst/>
   </dgm:styleLbl>
-  <dgm:styleLbl name="parChTrans2D3">
+  <dgm:styleLbl name="bgImgPlace1">
     <dgm:fillClrLst meth="repeat">
-      <a:schemeClr val="accent1"/>
+      <a:schemeClr val="dk1">
+        <a:tint val="40000"/>
+      </a:schemeClr>
     </dgm:fillClrLst>
     <dgm:linClrLst meth="repeat">
-      <a:schemeClr val="accent1"/>
+      <a:schemeClr val="dk1">
+        <a:shade val="80000"/>
+      </a:schemeClr>
     </dgm:linClrLst>
     <dgm:effectClrLst/>
     <dgm:txLinClrLst/>
@@ -1517,12 +1369,214 @@
     </dgm:txFillClrLst>
     <dgm:txEffectClrLst/>
   </dgm:styleLbl>
+  <dgm:styleLbl name="sibTrans2D1">
+    <dgm:fillClrLst meth="repeat">
+      <a:schemeClr val="dk1">
+        <a:tint val="60000"/>
+      </a:schemeClr>
+    </dgm:fillClrLst>
+    <dgm:linClrLst meth="repeat">
+      <a:schemeClr val="dk1">
+        <a:tint val="60000"/>
+      </a:schemeClr>
+    </dgm:linClrLst>
+    <dgm:effectClrLst/>
+    <dgm:txLinClrLst/>
+    <dgm:txFillClrLst meth="repeat">
+      <a:schemeClr val="dk1"/>
+    </dgm:txFillClrLst>
+    <dgm:txEffectClrLst/>
+  </dgm:styleLbl>
+  <dgm:styleLbl name="fgSibTrans2D1">
+    <dgm:fillClrLst meth="repeat">
+      <a:schemeClr val="dk1">
+        <a:tint val="60000"/>
+      </a:schemeClr>
+    </dgm:fillClrLst>
+    <dgm:linClrLst meth="repeat">
+      <a:schemeClr val="dk1">
+        <a:tint val="60000"/>
+      </a:schemeClr>
+    </dgm:linClrLst>
+    <dgm:effectClrLst/>
+    <dgm:txLinClrLst/>
+    <dgm:txFillClrLst meth="repeat">
+      <a:schemeClr val="dk1"/>
+    </dgm:txFillClrLst>
+    <dgm:txEffectClrLst/>
+  </dgm:styleLbl>
+  <dgm:styleLbl name="bgSibTrans2D1">
+    <dgm:fillClrLst meth="repeat">
+      <a:schemeClr val="dk1">
+        <a:tint val="60000"/>
+      </a:schemeClr>
+    </dgm:fillClrLst>
+    <dgm:linClrLst meth="repeat">
+      <a:schemeClr val="dk1">
+        <a:tint val="60000"/>
+      </a:schemeClr>
+    </dgm:linClrLst>
+    <dgm:effectClrLst/>
+    <dgm:txLinClrLst/>
+    <dgm:txFillClrLst meth="repeat">
+      <a:schemeClr val="dk1"/>
+    </dgm:txFillClrLst>
+    <dgm:txEffectClrLst/>
+  </dgm:styleLbl>
+  <dgm:styleLbl name="sibTrans1D1">
+    <dgm:fillClrLst meth="repeat">
+      <a:schemeClr val="dk1"/>
+    </dgm:fillClrLst>
+    <dgm:linClrLst meth="repeat">
+      <a:schemeClr val="dk1"/>
+    </dgm:linClrLst>
+    <dgm:effectClrLst/>
+    <dgm:txLinClrLst/>
+    <dgm:txFillClrLst meth="repeat">
+      <a:schemeClr val="tx1"/>
+    </dgm:txFillClrLst>
+    <dgm:txEffectClrLst/>
+  </dgm:styleLbl>
+  <dgm:styleLbl name="callout">
+    <dgm:fillClrLst meth="repeat">
+      <a:schemeClr val="dk1"/>
+    </dgm:fillClrLst>
+    <dgm:linClrLst meth="repeat">
+      <a:schemeClr val="dk1"/>
+    </dgm:linClrLst>
+    <dgm:effectClrLst/>
+    <dgm:txLinClrLst/>
+    <dgm:txFillClrLst meth="repeat">
+      <a:schemeClr val="tx1"/>
+    </dgm:txFillClrLst>
+    <dgm:txEffectClrLst/>
+  </dgm:styleLbl>
+  <dgm:styleLbl name="asst0">
+    <dgm:fillClrLst meth="repeat">
+      <a:schemeClr val="lt1"/>
+    </dgm:fillClrLst>
+    <dgm:linClrLst meth="repeat">
+      <a:schemeClr val="dk1">
+        <a:shade val="80000"/>
+      </a:schemeClr>
+    </dgm:linClrLst>
+    <dgm:effectClrLst/>
+    <dgm:txLinClrLst/>
+    <dgm:txFillClrLst meth="repeat">
+      <a:schemeClr val="dk1"/>
+    </dgm:txFillClrLst>
+    <dgm:txEffectClrLst/>
+  </dgm:styleLbl>
+  <dgm:styleLbl name="asst1">
+    <dgm:fillClrLst meth="repeat">
+      <a:schemeClr val="lt1"/>
+    </dgm:fillClrLst>
+    <dgm:linClrLst meth="repeat">
+      <a:schemeClr val="dk1">
+        <a:shade val="80000"/>
+      </a:schemeClr>
+    </dgm:linClrLst>
+    <dgm:effectClrLst/>
+    <dgm:txLinClrLst/>
+    <dgm:txFillClrLst meth="repeat">
+      <a:schemeClr val="dk1"/>
+    </dgm:txFillClrLst>
+    <dgm:txEffectClrLst/>
+  </dgm:styleLbl>
+  <dgm:styleLbl name="asst2">
+    <dgm:fillClrLst meth="repeat">
+      <a:schemeClr val="lt1"/>
+    </dgm:fillClrLst>
+    <dgm:linClrLst meth="repeat">
+      <a:schemeClr val="dk1">
+        <a:shade val="80000"/>
+      </a:schemeClr>
+    </dgm:linClrLst>
+    <dgm:effectClrLst/>
+    <dgm:txLinClrLst/>
+    <dgm:txFillClrLst meth="repeat">
+      <a:schemeClr val="dk1"/>
+    </dgm:txFillClrLst>
+    <dgm:txEffectClrLst/>
+  </dgm:styleLbl>
+  <dgm:styleLbl name="asst3">
+    <dgm:fillClrLst meth="repeat">
+      <a:schemeClr val="lt1"/>
+    </dgm:fillClrLst>
+    <dgm:linClrLst meth="repeat">
+      <a:schemeClr val="dk1">
+        <a:shade val="80000"/>
+      </a:schemeClr>
+    </dgm:linClrLst>
+    <dgm:effectClrLst/>
+    <dgm:txLinClrLst/>
+    <dgm:txFillClrLst meth="repeat">
+      <a:schemeClr val="dk1"/>
+    </dgm:txFillClrLst>
+    <dgm:txEffectClrLst/>
+  </dgm:styleLbl>
+  <dgm:styleLbl name="asst4">
+    <dgm:fillClrLst meth="repeat">
+      <a:schemeClr val="lt1"/>
+    </dgm:fillClrLst>
+    <dgm:linClrLst meth="repeat">
+      <a:schemeClr val="dk1">
+        <a:shade val="80000"/>
+      </a:schemeClr>
+    </dgm:linClrLst>
+    <dgm:effectClrLst/>
+    <dgm:txLinClrLst/>
+    <dgm:txFillClrLst meth="repeat">
+      <a:schemeClr val="dk1"/>
+    </dgm:txFillClrLst>
+    <dgm:txEffectClrLst/>
+  </dgm:styleLbl>
+  <dgm:styleLbl name="parChTrans2D1">
+    <dgm:fillClrLst meth="repeat">
+      <a:schemeClr val="dk1">
+        <a:tint val="60000"/>
+      </a:schemeClr>
+    </dgm:fillClrLst>
+    <dgm:linClrLst meth="repeat">
+      <a:schemeClr val="dk1">
+        <a:tint val="60000"/>
+      </a:schemeClr>
+    </dgm:linClrLst>
+    <dgm:effectClrLst/>
+    <dgm:txLinClrLst/>
+    <dgm:txFillClrLst/>
+    <dgm:txEffectClrLst/>
+  </dgm:styleLbl>
+  <dgm:styleLbl name="parChTrans2D2">
+    <dgm:fillClrLst meth="repeat">
+      <a:schemeClr val="dk1"/>
+    </dgm:fillClrLst>
+    <dgm:linClrLst meth="repeat">
+      <a:schemeClr val="dk1"/>
+    </dgm:linClrLst>
+    <dgm:effectClrLst/>
+    <dgm:txLinClrLst/>
+    <dgm:txFillClrLst/>
+    <dgm:txEffectClrLst/>
+  </dgm:styleLbl>
+  <dgm:styleLbl name="parChTrans2D3">
+    <dgm:fillClrLst meth="repeat">
+      <a:schemeClr val="dk1"/>
+    </dgm:fillClrLst>
+    <dgm:linClrLst meth="repeat">
+      <a:schemeClr val="dk1"/>
+    </dgm:linClrLst>
+    <dgm:effectClrLst/>
+    <dgm:txLinClrLst/>
+    <dgm:txFillClrLst/>
+    <dgm:txEffectClrLst/>
+  </dgm:styleLbl>
   <dgm:styleLbl name="parChTrans2D4">
     <dgm:fillClrLst meth="repeat">
-      <a:schemeClr val="accent1"/>
+      <a:schemeClr val="dk1"/>
     </dgm:fillClrLst>
     <dgm:linClrLst meth="repeat">
-      <a:schemeClr val="accent1"/>
+      <a:schemeClr val="dk1"/>
     </dgm:linClrLst>
     <dgm:effectClrLst/>
     <dgm:txLinClrLst/>
@@ -1533,10 +1587,10 @@
   </dgm:styleLbl>
   <dgm:styleLbl name="parChTrans1D1">
     <dgm:fillClrLst meth="repeat">
-      <a:schemeClr val="accent1"/>
+      <a:schemeClr val="dk1"/>
     </dgm:fillClrLst>
     <dgm:linClrLst meth="repeat">
-      <a:schemeClr val="accent1">
+      <a:schemeClr val="dk1">
         <a:shade val="60000"/>
       </a:schemeClr>
     </dgm:linClrLst>
@@ -1549,10 +1603,10 @@
   </dgm:styleLbl>
   <dgm:styleLbl name="parChTrans1D2">
     <dgm:fillClrLst meth="repeat">
-      <a:schemeClr val="accent1"/>
+      <a:schemeClr val="dk1"/>
     </dgm:fillClrLst>
     <dgm:linClrLst meth="repeat">
-      <a:schemeClr val="accent1">
+      <a:schemeClr val="dk1">
         <a:shade val="60000"/>
       </a:schemeClr>
     </dgm:linClrLst>
@@ -1565,10 +1619,10 @@
   </dgm:styleLbl>
   <dgm:styleLbl name="parChTrans1D3">
     <dgm:fillClrLst meth="repeat">
-      <a:schemeClr val="accent1"/>
+      <a:schemeClr val="dk1"/>
     </dgm:fillClrLst>
     <dgm:linClrLst meth="repeat">
-      <a:schemeClr val="accent1">
+      <a:schemeClr val="dk1">
         <a:shade val="80000"/>
       </a:schemeClr>
     </dgm:linClrLst>
@@ -1581,10 +1635,10 @@
   </dgm:styleLbl>
   <dgm:styleLbl name="parChTrans1D4">
     <dgm:fillClrLst meth="repeat">
-      <a:schemeClr val="accent1"/>
+      <a:schemeClr val="dk1"/>
     </dgm:fillClrLst>
     <dgm:linClrLst meth="repeat">
-      <a:schemeClr val="accent1">
+      <a:schemeClr val="dk1">
         <a:shade val="80000"/>
       </a:schemeClr>
     </dgm:linClrLst>
@@ -1597,12 +1651,13 @@
   </dgm:styleLbl>
   <dgm:styleLbl name="fgAcc1">
     <dgm:fillClrLst meth="repeat">
-      <a:schemeClr val="lt1">
+      <a:schemeClr val="dk1">
         <a:alpha val="90000"/>
+        <a:tint val="40000"/>
       </a:schemeClr>
     </dgm:fillClrLst>
     <dgm:linClrLst meth="repeat">
-      <a:schemeClr val="accent1"/>
+      <a:schemeClr val="dk1"/>
     </dgm:linClrLst>
     <dgm:effectClrLst/>
     <dgm:txLinClrLst/>
@@ -1613,12 +1668,13 @@
   </dgm:styleLbl>
   <dgm:styleLbl name="conFgAcc1">
     <dgm:fillClrLst meth="repeat">
-      <a:schemeClr val="lt1">
+      <a:schemeClr val="dk1">
         <a:alpha val="90000"/>
+        <a:tint val="40000"/>
       </a:schemeClr>
     </dgm:fillClrLst>
     <dgm:linClrLst meth="repeat">
-      <a:schemeClr val="accent1"/>
+      <a:schemeClr val="dk1"/>
     </dgm:linClrLst>
     <dgm:effectClrLst/>
     <dgm:txLinClrLst/>
@@ -1629,12 +1685,13 @@
   </dgm:styleLbl>
   <dgm:styleLbl name="alignAcc1">
     <dgm:fillClrLst meth="repeat">
-      <a:schemeClr val="lt1">
+      <a:schemeClr val="dk1">
         <a:alpha val="90000"/>
+        <a:tint val="40000"/>
       </a:schemeClr>
     </dgm:fillClrLst>
     <dgm:linClrLst meth="repeat">
-      <a:schemeClr val="accent1"/>
+      <a:schemeClr val="dk1"/>
     </dgm:linClrLst>
     <dgm:effectClrLst/>
     <dgm:txLinClrLst/>
@@ -1645,12 +1702,13 @@
   </dgm:styleLbl>
   <dgm:styleLbl name="trAlignAcc1">
     <dgm:fillClrLst meth="repeat">
-      <a:schemeClr val="lt1">
+      <a:schemeClr val="dk1">
         <a:alpha val="40000"/>
+        <a:tint val="40000"/>
       </a:schemeClr>
     </dgm:fillClrLst>
     <dgm:linClrLst meth="repeat">
-      <a:schemeClr val="accent1"/>
+      <a:schemeClr val="dk1"/>
     </dgm:linClrLst>
     <dgm:effectClrLst/>
     <dgm:txLinClrLst/>
@@ -1661,12 +1719,13 @@
   </dgm:styleLbl>
   <dgm:styleLbl name="bgAcc1">
     <dgm:fillClrLst meth="repeat">
-      <a:schemeClr val="lt1">
+      <a:schemeClr val="dk1">
         <a:alpha val="90000"/>
+        <a:tint val="40000"/>
       </a:schemeClr>
     </dgm:fillClrLst>
     <dgm:linClrLst meth="repeat">
-      <a:schemeClr val="accent1"/>
+      <a:schemeClr val="dk1"/>
     </dgm:linClrLst>
     <dgm:effectClrLst/>
     <dgm:txLinClrLst/>
@@ -1680,7 +1739,7 @@
       <a:schemeClr val="lt1"/>
     </dgm:fillClrLst>
     <dgm:linClrLst meth="repeat">
-      <a:schemeClr val="accent1"/>
+      <a:schemeClr val="dk1"/>
     </dgm:linClrLst>
     <dgm:effectClrLst/>
     <dgm:txLinClrLst/>
@@ -1694,7 +1753,7 @@
       <a:schemeClr val="lt1"/>
     </dgm:fillClrLst>
     <dgm:linClrLst meth="repeat">
-      <a:schemeClr val="accent1"/>
+      <a:schemeClr val="dk1"/>
     </dgm:linClrLst>
     <dgm:effectClrLst/>
     <dgm:txLinClrLst/>
@@ -1708,7 +1767,7 @@
       <a:schemeClr val="lt1"/>
     </dgm:fillClrLst>
     <dgm:linClrLst meth="repeat">
-      <a:schemeClr val="accent1"/>
+      <a:schemeClr val="dk1"/>
     </dgm:linClrLst>
     <dgm:effectClrLst/>
     <dgm:txLinClrLst/>
@@ -1719,15 +1778,14 @@
   </dgm:styleLbl>
   <dgm:styleLbl name="fgAccFollowNode1">
     <dgm:fillClrLst meth="repeat">
-      <a:schemeClr val="accent1">
+      <a:schemeClr val="lt1">
         <a:alpha val="90000"/>
         <a:tint val="40000"/>
       </a:schemeClr>
     </dgm:fillClrLst>
     <dgm:linClrLst meth="repeat">
-      <a:schemeClr val="accent1">
+      <a:schemeClr val="dk1">
         <a:alpha val="90000"/>
-        <a:tint val="40000"/>
       </a:schemeClr>
     </dgm:linClrLst>
     <dgm:effectClrLst/>
@@ -1739,15 +1797,14 @@
   </dgm:styleLbl>
   <dgm:styleLbl name="alignAccFollowNode1">
     <dgm:fillClrLst meth="repeat">
-      <a:schemeClr val="accent1">
+      <a:schemeClr val="lt1">
         <a:alpha val="90000"/>
         <a:tint val="40000"/>
       </a:schemeClr>
     </dgm:fillClrLst>
     <dgm:linClrLst meth="repeat">
-      <a:schemeClr val="accent1">
+      <a:schemeClr val="dk1">
         <a:alpha val="90000"/>
-        <a:tint val="40000"/>
       </a:schemeClr>
     </dgm:linClrLst>
     <dgm:effectClrLst/>
@@ -1759,15 +1816,14 @@
   </dgm:styleLbl>
   <dgm:styleLbl name="bgAccFollowNode1">
     <dgm:fillClrLst meth="repeat">
-      <a:schemeClr val="accent1">
+      <a:schemeClr val="lt1">
         <a:alpha val="90000"/>
         <a:tint val="40000"/>
       </a:schemeClr>
     </dgm:fillClrLst>
     <dgm:linClrLst meth="repeat">
-      <a:schemeClr val="accent1">
+      <a:schemeClr val="dk1">
         <a:alpha val="90000"/>
-        <a:tint val="40000"/>
       </a:schemeClr>
     </dgm:linClrLst>
     <dgm:effectClrLst/>
@@ -1779,12 +1835,13 @@
   </dgm:styleLbl>
   <dgm:styleLbl name="fgAcc0">
     <dgm:fillClrLst meth="repeat">
-      <a:schemeClr val="lt1">
+      <a:schemeClr val="dk1">
         <a:alpha val="90000"/>
+        <a:tint val="40000"/>
       </a:schemeClr>
     </dgm:fillClrLst>
     <dgm:linClrLst meth="repeat">
-      <a:schemeClr val="accent1"/>
+      <a:schemeClr val="dk1"/>
     </dgm:linClrLst>
     <dgm:effectClrLst/>
     <dgm:txLinClrLst/>
@@ -1795,12 +1852,13 @@
   </dgm:styleLbl>
   <dgm:styleLbl name="fgAcc2">
     <dgm:fillClrLst meth="repeat">
-      <a:schemeClr val="lt1">
+      <a:schemeClr val="dk1">
         <a:alpha val="90000"/>
+        <a:tint val="40000"/>
       </a:schemeClr>
     </dgm:fillClrLst>
     <dgm:linClrLst meth="repeat">
-      <a:schemeClr val="accent1"/>
+      <a:schemeClr val="dk1"/>
     </dgm:linClrLst>
     <dgm:effectClrLst/>
     <dgm:txLinClrLst/>
@@ -1811,12 +1869,13 @@
   </dgm:styleLbl>
   <dgm:styleLbl name="fgAcc3">
     <dgm:fillClrLst meth="repeat">
-      <a:schemeClr val="lt1">
+      <a:schemeClr val="dk1">
         <a:alpha val="90000"/>
+        <a:tint val="40000"/>
       </a:schemeClr>
     </dgm:fillClrLst>
     <dgm:linClrLst meth="repeat">
-      <a:schemeClr val="accent1"/>
+      <a:schemeClr val="dk1"/>
     </dgm:linClrLst>
     <dgm:effectClrLst/>
     <dgm:txLinClrLst/>
@@ -1827,12 +1886,13 @@
   </dgm:styleLbl>
   <dgm:styleLbl name="fgAcc4">
     <dgm:fillClrLst meth="repeat">
-      <a:schemeClr val="lt1">
+      <a:schemeClr val="dk1">
         <a:alpha val="90000"/>
+        <a:tint val="40000"/>
       </a:schemeClr>
     </dgm:fillClrLst>
     <dgm:linClrLst meth="repeat">
-      <a:schemeClr val="accent1"/>
+      <a:schemeClr val="dk1"/>
     </dgm:linClrLst>
     <dgm:effectClrLst/>
     <dgm:txLinClrLst/>
@@ -1843,12 +1903,12 @@
   </dgm:styleLbl>
   <dgm:styleLbl name="bgShp">
     <dgm:fillClrLst meth="repeat">
-      <a:schemeClr val="accent1">
+      <a:schemeClr val="dk1">
         <a:tint val="40000"/>
       </a:schemeClr>
     </dgm:fillClrLst>
     <dgm:linClrLst meth="repeat">
-      <a:schemeClr val="accent1"/>
+      <a:schemeClr val="dk1"/>
     </dgm:linClrLst>
     <dgm:effectClrLst/>
     <dgm:txLinClrLst/>
@@ -1859,12 +1919,12 @@
   </dgm:styleLbl>
   <dgm:styleLbl name="dkBgShp">
     <dgm:fillClrLst meth="repeat">
-      <a:schemeClr val="accent1">
+      <a:schemeClr val="dk1">
         <a:shade val="80000"/>
       </a:schemeClr>
     </dgm:fillClrLst>
     <dgm:linClrLst meth="repeat">
-      <a:schemeClr val="accent1"/>
+      <a:schemeClr val="dk1"/>
     </dgm:linClrLst>
     <dgm:effectClrLst/>
     <dgm:txLinClrLst/>
@@ -1875,13 +1935,13 @@
   </dgm:styleLbl>
   <dgm:styleLbl name="trBgShp">
     <dgm:fillClrLst meth="repeat">
-      <a:schemeClr val="accent1">
+      <a:schemeClr val="dk1">
         <a:tint val="50000"/>
         <a:alpha val="40000"/>
       </a:schemeClr>
     </dgm:fillClrLst>
     <dgm:linClrLst meth="repeat">
-      <a:schemeClr val="accent1"/>
+      <a:schemeClr val="dk1"/>
     </dgm:linClrLst>
     <dgm:effectClrLst/>
     <dgm:txLinClrLst/>
@@ -1892,7 +1952,7 @@
   </dgm:styleLbl>
   <dgm:styleLbl name="fgShp">
     <dgm:fillClrLst meth="repeat">
-      <a:schemeClr val="accent1">
+      <a:schemeClr val="dk1">
         <a:tint val="60000"/>
       </a:schemeClr>
     </dgm:fillClrLst>
@@ -1928,158 +1988,150 @@
 </file>
 
 <file path=ppt/diagrams/colors3.xml><?xml version="1.0" encoding="utf-8"?>
-<dgm:colorsDef xmlns:dgm="http://schemas.openxmlformats.org/drawingml/2006/diagram" xmlns:a="http://schemas.openxmlformats.org/drawingml/2006/main" uniqueId="urn:microsoft.com/office/officeart/2005/8/colors/colorful1">
+<dgm:colorsDef xmlns:dgm="http://schemas.openxmlformats.org/drawingml/2006/diagram" xmlns:a="http://schemas.openxmlformats.org/drawingml/2006/main" uniqueId="urn:microsoft.com/office/officeart/2005/8/colors/accent0_1">
   <dgm:title val=""/>
   <dgm:desc val=""/>
   <dgm:catLst>
-    <dgm:cat type="colorful" pri="10100"/>
+    <dgm:cat type="mainScheme" pri="10100"/>
   </dgm:catLst>
   <dgm:styleLbl name="node0">
     <dgm:fillClrLst meth="repeat">
-      <a:schemeClr val="accent1"/>
+      <a:schemeClr val="lt1"/>
     </dgm:fillClrLst>
     <dgm:linClrLst meth="repeat">
+      <a:schemeClr val="dk1">
+        <a:shade val="80000"/>
+      </a:schemeClr>
+    </dgm:linClrLst>
+    <dgm:effectClrLst/>
+    <dgm:txLinClrLst/>
+    <dgm:txFillClrLst meth="repeat">
+      <a:schemeClr val="dk1"/>
+    </dgm:txFillClrLst>
+    <dgm:txEffectClrLst/>
+  </dgm:styleLbl>
+  <dgm:styleLbl name="node1">
+    <dgm:fillClrLst meth="repeat">
       <a:schemeClr val="lt1"/>
+    </dgm:fillClrLst>
+    <dgm:linClrLst meth="repeat">
+      <a:schemeClr val="dk1">
+        <a:shade val="80000"/>
+      </a:schemeClr>
+    </dgm:linClrLst>
+    <dgm:effectClrLst/>
+    <dgm:txLinClrLst/>
+    <dgm:txFillClrLst meth="repeat">
+      <a:schemeClr val="dk1"/>
+    </dgm:txFillClrLst>
+    <dgm:txEffectClrLst/>
+  </dgm:styleLbl>
+  <dgm:styleLbl name="alignNode1">
+    <dgm:fillClrLst meth="repeat">
+      <a:schemeClr val="lt1"/>
+    </dgm:fillClrLst>
+    <dgm:linClrLst meth="repeat">
+      <a:schemeClr val="dk1">
+        <a:shade val="80000"/>
+      </a:schemeClr>
+    </dgm:linClrLst>
+    <dgm:effectClrLst/>
+    <dgm:txLinClrLst/>
+    <dgm:txFillClrLst meth="repeat">
+      <a:schemeClr val="dk1"/>
+    </dgm:txFillClrLst>
+    <dgm:txEffectClrLst/>
+  </dgm:styleLbl>
+  <dgm:styleLbl name="lnNode1">
+    <dgm:fillClrLst meth="repeat">
+      <a:schemeClr val="lt1"/>
+    </dgm:fillClrLst>
+    <dgm:linClrLst meth="repeat">
+      <a:schemeClr val="dk1">
+        <a:shade val="80000"/>
+      </a:schemeClr>
+    </dgm:linClrLst>
+    <dgm:effectClrLst/>
+    <dgm:txLinClrLst/>
+    <dgm:txFillClrLst meth="repeat">
+      <a:schemeClr val="dk1"/>
+    </dgm:txFillClrLst>
+    <dgm:txEffectClrLst/>
+  </dgm:styleLbl>
+  <dgm:styleLbl name="vennNode1">
+    <dgm:fillClrLst meth="repeat">
+      <a:schemeClr val="lt1">
+        <a:alpha val="50000"/>
+      </a:schemeClr>
+    </dgm:fillClrLst>
+    <dgm:linClrLst meth="repeat">
+      <a:schemeClr val="dk1">
+        <a:shade val="80000"/>
+      </a:schemeClr>
     </dgm:linClrLst>
     <dgm:effectClrLst/>
     <dgm:txLinClrLst/>
     <dgm:txFillClrLst/>
     <dgm:txEffectClrLst/>
   </dgm:styleLbl>
-  <dgm:styleLbl name="node1">
+  <dgm:styleLbl name="node2">
     <dgm:fillClrLst meth="repeat">
-      <a:schemeClr val="accent2"/>
-      <a:schemeClr val="accent3"/>
-      <a:schemeClr val="accent4"/>
-      <a:schemeClr val="accent5"/>
-      <a:schemeClr val="accent6"/>
+      <a:schemeClr val="lt1"/>
     </dgm:fillClrLst>
     <dgm:linClrLst meth="repeat">
-      <a:schemeClr val="lt1"/>
+      <a:schemeClr val="dk1">
+        <a:shade val="80000"/>
+      </a:schemeClr>
     </dgm:linClrLst>
     <dgm:effectClrLst/>
     <dgm:txLinClrLst/>
-    <dgm:txFillClrLst/>
+    <dgm:txFillClrLst meth="repeat">
+      <a:schemeClr val="dk1"/>
+    </dgm:txFillClrLst>
     <dgm:txEffectClrLst/>
   </dgm:styleLbl>
-  <dgm:styleLbl name="alignNode1">
+  <dgm:styleLbl name="node3">
     <dgm:fillClrLst meth="repeat">
-      <a:schemeClr val="accent2"/>
-      <a:schemeClr val="accent3"/>
-      <a:schemeClr val="accent4"/>
-      <a:schemeClr val="accent5"/>
-      <a:schemeClr val="accent6"/>
+      <a:schemeClr val="lt1"/>
     </dgm:fillClrLst>
     <dgm:linClrLst meth="repeat">
-      <a:schemeClr val="accent2"/>
-      <a:schemeClr val="accent3"/>
-      <a:schemeClr val="accent4"/>
-      <a:schemeClr val="accent5"/>
-      <a:schemeClr val="accent6"/>
+      <a:schemeClr val="dk1">
+        <a:shade val="80000"/>
+      </a:schemeClr>
     </dgm:linClrLst>
     <dgm:effectClrLst/>
     <dgm:txLinClrLst/>
-    <dgm:txFillClrLst/>
+    <dgm:txFillClrLst meth="repeat">
+      <a:schemeClr val="dk1"/>
+    </dgm:txFillClrLst>
     <dgm:txEffectClrLst/>
   </dgm:styleLbl>
-  <dgm:styleLbl name="lnNode1">
+  <dgm:styleLbl name="node4">
     <dgm:fillClrLst meth="repeat">
-      <a:schemeClr val="accent2"/>
-      <a:schemeClr val="accent3"/>
-      <a:schemeClr val="accent4"/>
-      <a:schemeClr val="accent5"/>
-      <a:schemeClr val="accent6"/>
+      <a:schemeClr val="lt1"/>
     </dgm:fillClrLst>
     <dgm:linClrLst meth="repeat">
-      <a:schemeClr val="lt1"/>
+      <a:schemeClr val="dk1">
+        <a:shade val="80000"/>
+      </a:schemeClr>
     </dgm:linClrLst>
     <dgm:effectClrLst/>
     <dgm:txLinClrLst/>
-    <dgm:txFillClrLst/>
+    <dgm:txFillClrLst meth="repeat">
+      <a:schemeClr val="dk1"/>
+    </dgm:txFillClrLst>
     <dgm:txEffectClrLst/>
   </dgm:styleLbl>
-  <dgm:styleLbl name="vennNode1">
+  <dgm:styleLbl name="fgImgPlace1">
     <dgm:fillClrLst meth="repeat">
-      <a:schemeClr val="accent2">
-        <a:alpha val="50000"/>
-      </a:schemeClr>
-      <a:schemeClr val="accent3">
-        <a:alpha val="50000"/>
-      </a:schemeClr>
-      <a:schemeClr val="accent4">
-        <a:alpha val="50000"/>
-      </a:schemeClr>
-      <a:schemeClr val="accent5">
-        <a:alpha val="50000"/>
-      </a:schemeClr>
-      <a:schemeClr val="accent6">
-        <a:alpha val="50000"/>
+      <a:schemeClr val="dk1">
+        <a:tint val="40000"/>
       </a:schemeClr>
     </dgm:fillClrLst>
     <dgm:linClrLst meth="repeat">
-      <a:schemeClr val="lt1"/>
-    </dgm:linClrLst>
-    <dgm:effectClrLst/>
-    <dgm:txLinClrLst/>
-    <dgm:txFillClrLst/>
-    <dgm:txEffectClrLst/>
-  </dgm:styleLbl>
-  <dgm:styleLbl name="node2">
-    <dgm:fillClrLst>
-      <a:schemeClr val="accent2"/>
-    </dgm:fillClrLst>
-    <dgm:linClrLst meth="repeat">
-      <a:schemeClr val="lt1"/>
-    </dgm:linClrLst>
-    <dgm:effectClrLst/>
-    <dgm:txLinClrLst/>
-    <dgm:txFillClrLst/>
-    <dgm:txEffectClrLst/>
-  </dgm:styleLbl>
-  <dgm:styleLbl name="node3">
-    <dgm:fillClrLst>
-      <a:schemeClr val="accent3"/>
-    </dgm:fillClrLst>
-    <dgm:linClrLst meth="repeat">
-      <a:schemeClr val="lt1"/>
-    </dgm:linClrLst>
-    <dgm:effectClrLst/>
-    <dgm:txLinClrLst/>
-    <dgm:txFillClrLst/>
-    <dgm:txEffectClrLst/>
-  </dgm:styleLbl>
-  <dgm:styleLbl name="node4">
-    <dgm:fillClrLst>
-      <a:schemeClr val="accent4"/>
-    </dgm:fillClrLst>
-    <dgm:linClrLst meth="repeat">
-      <a:schemeClr val="lt1"/>
-    </dgm:linClrLst>
-    <dgm:effectClrLst/>
-    <dgm:txLinClrLst/>
-    <dgm:txFillClrLst/>
-    <dgm:txEffectClrLst/>
-  </dgm:styleLbl>
-  <dgm:styleLbl name="fgImgPlace1">
-    <dgm:fillClrLst meth="repeat">
-      <a:schemeClr val="accent2">
-        <a:tint val="50000"/>
+      <a:schemeClr val="dk1">
+        <a:shade val="80000"/>
       </a:schemeClr>
-      <a:schemeClr val="accent3">
-        <a:tint val="50000"/>
-      </a:schemeClr>
-      <a:schemeClr val="accent4">
-        <a:tint val="50000"/>
-      </a:schemeClr>
-      <a:schemeClr val="accent5">
-        <a:tint val="50000"/>
-      </a:schemeClr>
-      <a:schemeClr val="accent6">
-        <a:tint val="50000"/>
-      </a:schemeClr>
-    </dgm:fillClrLst>
-    <dgm:linClrLst meth="repeat">
-      <a:schemeClr val="lt1"/>
     </dgm:linClrLst>
     <dgm:effectClrLst/>
     <dgm:txLinClrLst/>
@@ -2089,16 +2141,15 @@
     <dgm:txEffectClrLst/>
   </dgm:styleLbl>
   <dgm:styleLbl name="alignImgPlace1">
-    <dgm:fillClrLst>
-      <a:schemeClr val="accent1">
-        <a:tint val="50000"/>
-      </a:schemeClr>
-      <a:schemeClr val="accent2">
-        <a:tint val="20000"/>
+    <dgm:fillClrLst meth="repeat">
+      <a:schemeClr val="dk1">
+        <a:tint val="40000"/>
       </a:schemeClr>
     </dgm:fillClrLst>
     <dgm:linClrLst meth="repeat">
-      <a:schemeClr val="lt1"/>
+      <a:schemeClr val="dk1">
+        <a:shade val="80000"/>
+      </a:schemeClr>
     </dgm:linClrLst>
     <dgm:effectClrLst/>
     <dgm:txLinClrLst/>
@@ -2108,16 +2159,15 @@
     <dgm:txEffectClrLst/>
   </dgm:styleLbl>
   <dgm:styleLbl name="bgImgPlace1">
-    <dgm:fillClrLst>
-      <a:schemeClr val="accent1">
-        <a:tint val="50000"/>
-      </a:schemeClr>
-      <a:schemeClr val="accent2">
-        <a:tint val="20000"/>
+    <dgm:fillClrLst meth="repeat">
+      <a:schemeClr val="dk1">
+        <a:tint val="40000"/>
       </a:schemeClr>
     </dgm:fillClrLst>
     <dgm:linClrLst meth="repeat">
-      <a:schemeClr val="lt1"/>
+      <a:schemeClr val="dk1">
+        <a:shade val="80000"/>
+      </a:schemeClr>
     </dgm:linClrLst>
     <dgm:effectClrLst/>
     <dgm:txLinClrLst/>
@@ -2128,30 +2178,212 @@
   </dgm:styleLbl>
   <dgm:styleLbl name="sibTrans2D1">
     <dgm:fillClrLst meth="repeat">
-      <a:schemeClr val="accent2"/>
-      <a:schemeClr val="accent3"/>
-      <a:schemeClr val="accent4"/>
-      <a:schemeClr val="accent5"/>
-      <a:schemeClr val="accent6"/>
+      <a:schemeClr val="dk1">
+        <a:tint val="60000"/>
+      </a:schemeClr>
     </dgm:fillClrLst>
-    <dgm:linClrLst meth="cycle">
+    <dgm:linClrLst meth="repeat">
+      <a:schemeClr val="dk1">
+        <a:tint val="60000"/>
+      </a:schemeClr>
+    </dgm:linClrLst>
+    <dgm:effectClrLst/>
+    <dgm:txLinClrLst/>
+    <dgm:txFillClrLst meth="repeat">
+      <a:schemeClr val="dk1"/>
+    </dgm:txFillClrLst>
+    <dgm:txEffectClrLst/>
+  </dgm:styleLbl>
+  <dgm:styleLbl name="fgSibTrans2D1">
+    <dgm:fillClrLst meth="repeat">
+      <a:schemeClr val="dk1">
+        <a:tint val="60000"/>
+      </a:schemeClr>
+    </dgm:fillClrLst>
+    <dgm:linClrLst meth="repeat">
+      <a:schemeClr val="dk1">
+        <a:tint val="60000"/>
+      </a:schemeClr>
+    </dgm:linClrLst>
+    <dgm:effectClrLst/>
+    <dgm:txLinClrLst/>
+    <dgm:txFillClrLst meth="repeat">
+      <a:schemeClr val="dk1"/>
+    </dgm:txFillClrLst>
+    <dgm:txEffectClrLst/>
+  </dgm:styleLbl>
+  <dgm:styleLbl name="bgSibTrans2D1">
+    <dgm:fillClrLst meth="repeat">
+      <a:schemeClr val="dk1">
+        <a:tint val="60000"/>
+      </a:schemeClr>
+    </dgm:fillClrLst>
+    <dgm:linClrLst meth="repeat">
+      <a:schemeClr val="dk1">
+        <a:tint val="60000"/>
+      </a:schemeClr>
+    </dgm:linClrLst>
+    <dgm:effectClrLst/>
+    <dgm:txLinClrLst/>
+    <dgm:txFillClrLst meth="repeat">
+      <a:schemeClr val="dk1"/>
+    </dgm:txFillClrLst>
+    <dgm:txEffectClrLst/>
+  </dgm:styleLbl>
+  <dgm:styleLbl name="sibTrans1D1">
+    <dgm:fillClrLst meth="repeat">
+      <a:schemeClr val="dk1"/>
+    </dgm:fillClrLst>
+    <dgm:linClrLst meth="repeat">
+      <a:schemeClr val="dk1"/>
+    </dgm:linClrLst>
+    <dgm:effectClrLst/>
+    <dgm:txLinClrLst/>
+    <dgm:txFillClrLst meth="repeat">
+      <a:schemeClr val="tx1"/>
+    </dgm:txFillClrLst>
+    <dgm:txEffectClrLst/>
+  </dgm:styleLbl>
+  <dgm:styleLbl name="callout">
+    <dgm:fillClrLst meth="repeat">
+      <a:schemeClr val="dk1"/>
+    </dgm:fillClrLst>
+    <dgm:linClrLst meth="repeat">
+      <a:schemeClr val="dk1"/>
+    </dgm:linClrLst>
+    <dgm:effectClrLst/>
+    <dgm:txLinClrLst/>
+    <dgm:txFillClrLst meth="repeat">
+      <a:schemeClr val="tx1"/>
+    </dgm:txFillClrLst>
+    <dgm:txEffectClrLst/>
+  </dgm:styleLbl>
+  <dgm:styleLbl name="asst0">
+    <dgm:fillClrLst meth="repeat">
       <a:schemeClr val="lt1"/>
+    </dgm:fillClrLst>
+    <dgm:linClrLst meth="repeat">
+      <a:schemeClr val="dk1">
+        <a:shade val="80000"/>
+      </a:schemeClr>
+    </dgm:linClrLst>
+    <dgm:effectClrLst/>
+    <dgm:txLinClrLst/>
+    <dgm:txFillClrLst meth="repeat">
+      <a:schemeClr val="dk1"/>
+    </dgm:txFillClrLst>
+    <dgm:txEffectClrLst/>
+  </dgm:styleLbl>
+  <dgm:styleLbl name="asst1">
+    <dgm:fillClrLst meth="repeat">
+      <a:schemeClr val="lt1"/>
+    </dgm:fillClrLst>
+    <dgm:linClrLst meth="repeat">
+      <a:schemeClr val="dk1">
+        <a:shade val="80000"/>
+      </a:schemeClr>
+    </dgm:linClrLst>
+    <dgm:effectClrLst/>
+    <dgm:txLinClrLst/>
+    <dgm:txFillClrLst meth="repeat">
+      <a:schemeClr val="dk1"/>
+    </dgm:txFillClrLst>
+    <dgm:txEffectClrLst/>
+  </dgm:styleLbl>
+  <dgm:styleLbl name="asst2">
+    <dgm:fillClrLst meth="repeat">
+      <a:schemeClr val="lt1"/>
+    </dgm:fillClrLst>
+    <dgm:linClrLst meth="repeat">
+      <a:schemeClr val="dk1">
+        <a:shade val="80000"/>
+      </a:schemeClr>
+    </dgm:linClrLst>
+    <dgm:effectClrLst/>
+    <dgm:txLinClrLst/>
+    <dgm:txFillClrLst meth="repeat">
+      <a:schemeClr val="dk1"/>
+    </dgm:txFillClrLst>
+    <dgm:txEffectClrLst/>
+  </dgm:styleLbl>
+  <dgm:styleLbl name="asst3">
+    <dgm:fillClrLst meth="repeat">
+      <a:schemeClr val="lt1"/>
+    </dgm:fillClrLst>
+    <dgm:linClrLst meth="repeat">
+      <a:schemeClr val="dk1">
+        <a:shade val="80000"/>
+      </a:schemeClr>
+    </dgm:linClrLst>
+    <dgm:effectClrLst/>
+    <dgm:txLinClrLst/>
+    <dgm:txFillClrLst meth="repeat">
+      <a:schemeClr val="dk1"/>
+    </dgm:txFillClrLst>
+    <dgm:txEffectClrLst/>
+  </dgm:styleLbl>
+  <dgm:styleLbl name="asst4">
+    <dgm:fillClrLst meth="repeat">
+      <a:schemeClr val="lt1"/>
+    </dgm:fillClrLst>
+    <dgm:linClrLst meth="repeat">
+      <a:schemeClr val="dk1">
+        <a:shade val="80000"/>
+      </a:schemeClr>
+    </dgm:linClrLst>
+    <dgm:effectClrLst/>
+    <dgm:txLinClrLst/>
+    <dgm:txFillClrLst meth="repeat">
+      <a:schemeClr val="dk1"/>
+    </dgm:txFillClrLst>
+    <dgm:txEffectClrLst/>
+  </dgm:styleLbl>
+  <dgm:styleLbl name="parChTrans2D1">
+    <dgm:fillClrLst meth="repeat">
+      <a:schemeClr val="dk1">
+        <a:tint val="60000"/>
+      </a:schemeClr>
+    </dgm:fillClrLst>
+    <dgm:linClrLst meth="repeat">
+      <a:schemeClr val="dk1">
+        <a:tint val="60000"/>
+      </a:schemeClr>
     </dgm:linClrLst>
     <dgm:effectClrLst/>
     <dgm:txLinClrLst/>
     <dgm:txFillClrLst/>
     <dgm:txEffectClrLst/>
   </dgm:styleLbl>
-  <dgm:styleLbl name="fgSibTrans2D1">
+  <dgm:styleLbl name="parChTrans2D2">
     <dgm:fillClrLst meth="repeat">
-      <a:schemeClr val="accent2"/>
-      <a:schemeClr val="accent3"/>
-      <a:schemeClr val="accent4"/>
-      <a:schemeClr val="accent5"/>
-      <a:schemeClr val="accent6"/>
+      <a:schemeClr val="dk1"/>
     </dgm:fillClrLst>
-    <dgm:linClrLst meth="cycle">
-      <a:schemeClr val="lt1"/>
+    <dgm:linClrLst meth="repeat">
+      <a:schemeClr val="dk1"/>
+    </dgm:linClrLst>
+    <dgm:effectClrLst/>
+    <dgm:txLinClrLst/>
+    <dgm:txFillClrLst/>
+    <dgm:txEffectClrLst/>
+  </dgm:styleLbl>
+  <dgm:styleLbl name="parChTrans2D3">
+    <dgm:fillClrLst meth="repeat">
+      <a:schemeClr val="dk1"/>
+    </dgm:fillClrLst>
+    <dgm:linClrLst meth="repeat">
+      <a:schemeClr val="dk1"/>
+    </dgm:linClrLst>
+    <dgm:effectClrLst/>
+    <dgm:txLinClrLst/>
+    <dgm:txFillClrLst/>
+    <dgm:txEffectClrLst/>
+  </dgm:styleLbl>
+  <dgm:styleLbl name="parChTrans2D4">
+    <dgm:fillClrLst meth="repeat">
+      <a:schemeClr val="dk1"/>
+    </dgm:fillClrLst>
+    <dgm:linClrLst meth="repeat">
+      <a:schemeClr val="dk1"/>
     </dgm:linClrLst>
     <dgm:effectClrLst/>
     <dgm:txLinClrLst/>
@@ -2160,53 +2392,13 @@
     </dgm:txFillClrLst>
     <dgm:txEffectClrLst/>
   </dgm:styleLbl>
-  <dgm:styleLbl name="bgSibTrans2D1">
+  <dgm:styleLbl name="parChTrans1D1">
     <dgm:fillClrLst meth="repeat">
-      <a:schemeClr val="accent2"/>
-      <a:schemeClr val="accent3"/>
-      <a:schemeClr val="accent4"/>
-      <a:schemeClr val="accent5"/>
-      <a:schemeClr val="accent6"/>
-    </dgm:fillClrLst>
-    <dgm:linClrLst meth="cycle">
-      <a:schemeClr val="lt1"/>
-    </dgm:linClrLst>
-    <dgm:effectClrLst/>
-    <dgm:txLinClrLst/>
-    <dgm:txFillClrLst meth="repeat">
-      <a:schemeClr val="lt1"/>
-    </dgm:txFillClrLst>
-    <dgm:txEffectClrLst/>
-  </dgm:styleLbl>
-  <dgm:styleLbl name="sibTrans1D1">
-    <dgm:fillClrLst meth="repeat">
-      <a:schemeClr val="accent2"/>
-      <a:schemeClr val="accent3"/>
-      <a:schemeClr val="accent4"/>
-      <a:schemeClr val="accent5"/>
-      <a:schemeClr val="accent6"/>
+      <a:schemeClr val="dk1"/>
     </dgm:fillClrLst>
     <dgm:linClrLst meth="repeat">
-      <a:schemeClr val="accent2"/>
-      <a:schemeClr val="accent3"/>
-      <a:schemeClr val="accent4"/>
-      <a:schemeClr val="accent5"/>
-      <a:schemeClr val="accent6"/>
-    </dgm:linClrLst>
-    <dgm:effectClrLst/>
-    <dgm:txLinClrLst/>
-    <dgm:txFillClrLst meth="repeat">
-      <a:schemeClr val="tx1"/>
-    </dgm:txFillClrLst>
-    <dgm:txEffectClrLst/>
-  </dgm:styleLbl>
-  <dgm:styleLbl name="callout">
-    <dgm:fillClrLst meth="repeat">
-      <a:schemeClr val="accent2"/>
-    </dgm:fillClrLst>
-    <dgm:linClrLst meth="repeat">
-      <a:schemeClr val="accent2">
-        <a:tint val="50000"/>
+      <a:schemeClr val="dk1">
+        <a:shade val="60000"/>
       </a:schemeClr>
     </dgm:linClrLst>
     <dgm:effectClrLst/>
@@ -2216,124 +2408,14 @@
     </dgm:txFillClrLst>
     <dgm:txEffectClrLst/>
   </dgm:styleLbl>
-  <dgm:styleLbl name="asst0">
+  <dgm:styleLbl name="parChTrans1D2">
     <dgm:fillClrLst meth="repeat">
-      <a:schemeClr val="accent1"/>
+      <a:schemeClr val="dk1"/>
     </dgm:fillClrLst>
     <dgm:linClrLst meth="repeat">
-      <a:schemeClr val="lt1"/>
-    </dgm:linClrLst>
-    <dgm:effectClrLst/>
-    <dgm:txLinClrLst/>
-    <dgm:txFillClrLst/>
-    <dgm:txEffectClrLst/>
-  </dgm:styleLbl>
-  <dgm:styleLbl name="asst1">
-    <dgm:fillClrLst meth="repeat">
-      <a:schemeClr val="accent2"/>
-    </dgm:fillClrLst>
-    <dgm:linClrLst meth="repeat">
-      <a:schemeClr val="lt1"/>
-    </dgm:linClrLst>
-    <dgm:effectClrLst/>
-    <dgm:txLinClrLst/>
-    <dgm:txFillClrLst/>
-    <dgm:txEffectClrLst/>
-  </dgm:styleLbl>
-  <dgm:styleLbl name="asst2">
-    <dgm:fillClrLst>
-      <a:schemeClr val="accent3"/>
-    </dgm:fillClrLst>
-    <dgm:linClrLst meth="repeat">
-      <a:schemeClr val="lt1"/>
-    </dgm:linClrLst>
-    <dgm:effectClrLst/>
-    <dgm:txLinClrLst/>
-    <dgm:txFillClrLst/>
-    <dgm:txEffectClrLst/>
-  </dgm:styleLbl>
-  <dgm:styleLbl name="asst3">
-    <dgm:fillClrLst>
-      <a:schemeClr val="accent4"/>
-    </dgm:fillClrLst>
-    <dgm:linClrLst meth="repeat">
-      <a:schemeClr val="lt1"/>
-    </dgm:linClrLst>
-    <dgm:effectClrLst/>
-    <dgm:txLinClrLst/>
-    <dgm:txFillClrLst/>
-    <dgm:txEffectClrLst/>
-  </dgm:styleLbl>
-  <dgm:styleLbl name="asst4">
-    <dgm:fillClrLst>
-      <a:schemeClr val="accent5"/>
-    </dgm:fillClrLst>
-    <dgm:linClrLst meth="repeat">
-      <a:schemeClr val="lt1"/>
-    </dgm:linClrLst>
-    <dgm:effectClrLst/>
-    <dgm:txLinClrLst/>
-    <dgm:txFillClrLst/>
-    <dgm:txEffectClrLst/>
-  </dgm:styleLbl>
-  <dgm:styleLbl name="parChTrans2D1">
-    <dgm:fillClrLst meth="repeat">
-      <a:schemeClr val="accent2"/>
-    </dgm:fillClrLst>
-    <dgm:linClrLst meth="repeat">
-      <a:schemeClr val="lt1"/>
-    </dgm:linClrLst>
-    <dgm:effectClrLst/>
-    <dgm:txLinClrLst/>
-    <dgm:txFillClrLst meth="repeat">
-      <a:schemeClr val="lt1"/>
-    </dgm:txFillClrLst>
-    <dgm:txEffectClrLst/>
-  </dgm:styleLbl>
-  <dgm:styleLbl name="parChTrans2D2">
-    <dgm:fillClrLst meth="repeat">
-      <a:schemeClr val="accent3"/>
-    </dgm:fillClrLst>
-    <dgm:linClrLst meth="repeat">
-      <a:schemeClr val="lt1"/>
-    </dgm:linClrLst>
-    <dgm:effectClrLst/>
-    <dgm:txLinClrLst/>
-    <dgm:txFillClrLst/>
-    <dgm:txEffectClrLst/>
-  </dgm:styleLbl>
-  <dgm:styleLbl name="parChTrans2D3">
-    <dgm:fillClrLst meth="repeat">
-      <a:schemeClr val="accent4"/>
-    </dgm:fillClrLst>
-    <dgm:linClrLst meth="repeat">
-      <a:schemeClr val="lt1"/>
-    </dgm:linClrLst>
-    <dgm:effectClrLst/>
-    <dgm:txLinClrLst/>
-    <dgm:txFillClrLst/>
-    <dgm:txEffectClrLst/>
-  </dgm:styleLbl>
-  <dgm:styleLbl name="parChTrans2D4">
-    <dgm:fillClrLst meth="repeat">
-      <a:schemeClr val="accent5"/>
-    </dgm:fillClrLst>
-    <dgm:linClrLst meth="repeat">
-      <a:schemeClr val="lt1"/>
-    </dgm:linClrLst>
-    <dgm:effectClrLst/>
-    <dgm:txLinClrLst/>
-    <dgm:txFillClrLst meth="repeat">
-      <a:schemeClr val="lt1"/>
-    </dgm:txFillClrLst>
-    <dgm:txEffectClrLst/>
-  </dgm:styleLbl>
-  <dgm:styleLbl name="parChTrans1D1">
-    <dgm:fillClrLst meth="repeat">
-      <a:schemeClr val="accent2"/>
-    </dgm:fillClrLst>
-    <dgm:linClrLst meth="repeat">
-      <a:schemeClr val="accent1"/>
+      <a:schemeClr val="dk1">
+        <a:shade val="60000"/>
+      </a:schemeClr>
     </dgm:linClrLst>
     <dgm:effectClrLst/>
     <dgm:txLinClrLst/>
@@ -2342,14 +2424,14 @@
     </dgm:txFillClrLst>
     <dgm:txEffectClrLst/>
   </dgm:styleLbl>
-  <dgm:styleLbl name="parChTrans1D2">
+  <dgm:styleLbl name="parChTrans1D3">
     <dgm:fillClrLst meth="repeat">
-      <a:schemeClr val="accent3">
-        <a:tint val="90000"/>
-      </a:schemeClr>
+      <a:schemeClr val="dk1"/>
     </dgm:fillClrLst>
     <dgm:linClrLst meth="repeat">
-      <a:schemeClr val="accent2"/>
+      <a:schemeClr val="dk1">
+        <a:shade val="80000"/>
+      </a:schemeClr>
     </dgm:linClrLst>
     <dgm:effectClrLst/>
     <dgm:txLinClrLst/>
@@ -2358,14 +2440,14 @@
     </dgm:txFillClrLst>
     <dgm:txEffectClrLst/>
   </dgm:styleLbl>
-  <dgm:styleLbl name="parChTrans1D3">
+  <dgm:styleLbl name="parChTrans1D4">
     <dgm:fillClrLst meth="repeat">
-      <a:schemeClr val="accent4">
-        <a:tint val="70000"/>
-      </a:schemeClr>
+      <a:schemeClr val="dk1"/>
     </dgm:fillClrLst>
     <dgm:linClrLst meth="repeat">
-      <a:schemeClr val="accent3"/>
+      <a:schemeClr val="dk1">
+        <a:shade val="80000"/>
+      </a:schemeClr>
     </dgm:linClrLst>
     <dgm:effectClrLst/>
     <dgm:txLinClrLst/>
@@ -2374,395 +2456,10 @@
     </dgm:txFillClrLst>
     <dgm:txEffectClrLst/>
   </dgm:styleLbl>
-  <dgm:styleLbl name="parChTrans1D4">
-    <dgm:fillClrLst meth="repeat">
-      <a:schemeClr val="accent5">
-        <a:tint val="50000"/>
-      </a:schemeClr>
-    </dgm:fillClrLst>
-    <dgm:linClrLst meth="repeat">
-      <a:schemeClr val="accent4"/>
-    </dgm:linClrLst>
-    <dgm:effectClrLst/>
-    <dgm:txLinClrLst/>
-    <dgm:txFillClrLst meth="repeat">
-      <a:schemeClr val="tx1"/>
-    </dgm:txFillClrLst>
-    <dgm:txEffectClrLst/>
-  </dgm:styleLbl>
   <dgm:styleLbl name="fgAcc1">
     <dgm:fillClrLst meth="repeat">
-      <a:schemeClr val="lt1">
+      <a:schemeClr val="dk1">
         <a:alpha val="90000"/>
-      </a:schemeClr>
-    </dgm:fillClrLst>
-    <dgm:linClrLst meth="repeat">
-      <a:schemeClr val="accent2"/>
-      <a:schemeClr val="accent3"/>
-      <a:schemeClr val="accent4"/>
-      <a:schemeClr val="accent5"/>
-      <a:schemeClr val="accent6"/>
-    </dgm:linClrLst>
-    <dgm:effectClrLst/>
-    <dgm:txLinClrLst/>
-    <dgm:txFillClrLst meth="repeat">
-      <a:schemeClr val="dk1"/>
-    </dgm:txFillClrLst>
-    <dgm:txEffectClrLst/>
-  </dgm:styleLbl>
-  <dgm:styleLbl name="conFgAcc1">
-    <dgm:fillClrLst meth="repeat">
-      <a:schemeClr val="lt1">
-        <a:alpha val="90000"/>
-      </a:schemeClr>
-    </dgm:fillClrLst>
-    <dgm:linClrLst meth="repeat">
-      <a:schemeClr val="accent2"/>
-      <a:schemeClr val="accent3"/>
-      <a:schemeClr val="accent4"/>
-      <a:schemeClr val="accent5"/>
-      <a:schemeClr val="accent6"/>
-    </dgm:linClrLst>
-    <dgm:effectClrLst/>
-    <dgm:txLinClrLst/>
-    <dgm:txFillClrLst meth="repeat">
-      <a:schemeClr val="dk1"/>
-    </dgm:txFillClrLst>
-    <dgm:txEffectClrLst/>
-  </dgm:styleLbl>
-  <dgm:styleLbl name="alignAcc1">
-    <dgm:fillClrLst meth="repeat">
-      <a:schemeClr val="lt1">
-        <a:alpha val="90000"/>
-      </a:schemeClr>
-    </dgm:fillClrLst>
-    <dgm:linClrLst meth="repeat">
-      <a:schemeClr val="accent2"/>
-      <a:schemeClr val="accent3"/>
-      <a:schemeClr val="accent4"/>
-      <a:schemeClr val="accent5"/>
-      <a:schemeClr val="accent6"/>
-    </dgm:linClrLst>
-    <dgm:effectClrLst/>
-    <dgm:txLinClrLst/>
-    <dgm:txFillClrLst meth="repeat">
-      <a:schemeClr val="dk1"/>
-    </dgm:txFillClrLst>
-    <dgm:txEffectClrLst/>
-  </dgm:styleLbl>
-  <dgm:styleLbl name="trAlignAcc1">
-    <dgm:fillClrLst meth="repeat">
-      <a:schemeClr val="lt1">
-        <a:alpha val="40000"/>
-      </a:schemeClr>
-    </dgm:fillClrLst>
-    <dgm:linClrLst meth="repeat">
-      <a:schemeClr val="accent1"/>
-    </dgm:linClrLst>
-    <dgm:effectClrLst/>
-    <dgm:txLinClrLst/>
-    <dgm:txFillClrLst meth="repeat">
-      <a:schemeClr val="dk1"/>
-    </dgm:txFillClrLst>
-    <dgm:txEffectClrLst/>
-  </dgm:styleLbl>
-  <dgm:styleLbl name="bgAcc1">
-    <dgm:fillClrLst meth="repeat">
-      <a:schemeClr val="lt1">
-        <a:alpha val="90000"/>
-      </a:schemeClr>
-    </dgm:fillClrLst>
-    <dgm:linClrLst meth="repeat">
-      <a:schemeClr val="accent2"/>
-      <a:schemeClr val="accent3"/>
-      <a:schemeClr val="accent4"/>
-      <a:schemeClr val="accent5"/>
-      <a:schemeClr val="accent6"/>
-    </dgm:linClrLst>
-    <dgm:effectClrLst/>
-    <dgm:txLinClrLst/>
-    <dgm:txFillClrLst meth="repeat">
-      <a:schemeClr val="dk1"/>
-    </dgm:txFillClrLst>
-    <dgm:txEffectClrLst/>
-  </dgm:styleLbl>
-  <dgm:styleLbl name="solidFgAcc1">
-    <dgm:fillClrLst meth="repeat">
-      <a:schemeClr val="lt1"/>
-    </dgm:fillClrLst>
-    <dgm:linClrLst meth="repeat">
-      <a:schemeClr val="accent2"/>
-      <a:schemeClr val="accent3"/>
-      <a:schemeClr val="accent4"/>
-      <a:schemeClr val="accent5"/>
-      <a:schemeClr val="accent6"/>
-    </dgm:linClrLst>
-    <dgm:effectClrLst/>
-    <dgm:txLinClrLst/>
-    <dgm:txFillClrLst meth="repeat">
-      <a:schemeClr val="dk1"/>
-    </dgm:txFillClrLst>
-    <dgm:txEffectClrLst/>
-  </dgm:styleLbl>
-  <dgm:styleLbl name="solidAlignAcc1">
-    <dgm:fillClrLst meth="repeat">
-      <a:schemeClr val="lt1"/>
-    </dgm:fillClrLst>
-    <dgm:linClrLst meth="repeat">
-      <a:schemeClr val="accent2"/>
-      <a:schemeClr val="accent3"/>
-      <a:schemeClr val="accent4"/>
-      <a:schemeClr val="accent5"/>
-      <a:schemeClr val="accent6"/>
-    </dgm:linClrLst>
-    <dgm:effectClrLst/>
-    <dgm:txLinClrLst/>
-    <dgm:txFillClrLst meth="repeat">
-      <a:schemeClr val="dk1"/>
-    </dgm:txFillClrLst>
-    <dgm:txEffectClrLst/>
-  </dgm:styleLbl>
-  <dgm:styleLbl name="solidBgAcc1">
-    <dgm:fillClrLst meth="repeat">
-      <a:schemeClr val="lt1"/>
-    </dgm:fillClrLst>
-    <dgm:linClrLst meth="repeat">
-      <a:schemeClr val="accent2"/>
-      <a:schemeClr val="accent3"/>
-      <a:schemeClr val="accent4"/>
-      <a:schemeClr val="accent5"/>
-      <a:schemeClr val="accent6"/>
-    </dgm:linClrLst>
-    <dgm:effectClrLst/>
-    <dgm:txLinClrLst/>
-    <dgm:txFillClrLst meth="repeat">
-      <a:schemeClr val="dk1"/>
-    </dgm:txFillClrLst>
-    <dgm:txEffectClrLst/>
-  </dgm:styleLbl>
-  <dgm:styleLbl name="fgAccFollowNode1">
-    <dgm:fillClrLst meth="repeat">
-      <a:schemeClr val="accent2">
-        <a:tint val="40000"/>
-        <a:alpha val="90000"/>
-      </a:schemeClr>
-      <a:schemeClr val="accent3">
-        <a:tint val="40000"/>
-        <a:alpha val="90000"/>
-      </a:schemeClr>
-      <a:schemeClr val="accent4">
-        <a:tint val="40000"/>
-        <a:alpha val="90000"/>
-      </a:schemeClr>
-      <a:schemeClr val="accent5">
-        <a:tint val="40000"/>
-        <a:alpha val="90000"/>
-      </a:schemeClr>
-      <a:schemeClr val="accent6">
-        <a:tint val="40000"/>
-        <a:alpha val="90000"/>
-      </a:schemeClr>
-    </dgm:fillClrLst>
-    <dgm:linClrLst meth="repeat">
-      <a:schemeClr val="accent2">
-        <a:tint val="40000"/>
-        <a:alpha val="90000"/>
-      </a:schemeClr>
-      <a:schemeClr val="accent3">
-        <a:tint val="40000"/>
-        <a:alpha val="90000"/>
-      </a:schemeClr>
-      <a:schemeClr val="accent4">
-        <a:tint val="40000"/>
-        <a:alpha val="90000"/>
-      </a:schemeClr>
-      <a:schemeClr val="accent5">
-        <a:tint val="40000"/>
-        <a:alpha val="90000"/>
-      </a:schemeClr>
-      <a:schemeClr val="accent6">
-        <a:tint val="40000"/>
-        <a:alpha val="90000"/>
-      </a:schemeClr>
-    </dgm:linClrLst>
-    <dgm:effectClrLst/>
-    <dgm:txLinClrLst/>
-    <dgm:txFillClrLst meth="repeat">
-      <a:schemeClr val="dk1"/>
-    </dgm:txFillClrLst>
-    <dgm:txEffectClrLst/>
-  </dgm:styleLbl>
-  <dgm:styleLbl name="alignAccFollowNode1">
-    <dgm:fillClrLst meth="repeat">
-      <a:schemeClr val="accent2">
-        <a:tint val="40000"/>
-        <a:alpha val="90000"/>
-      </a:schemeClr>
-      <a:schemeClr val="accent3">
-        <a:tint val="40000"/>
-        <a:alpha val="90000"/>
-      </a:schemeClr>
-      <a:schemeClr val="accent4">
-        <a:tint val="40000"/>
-        <a:alpha val="90000"/>
-      </a:schemeClr>
-      <a:schemeClr val="accent5">
-        <a:tint val="40000"/>
-        <a:alpha val="90000"/>
-      </a:schemeClr>
-      <a:schemeClr val="accent6">
-        <a:tint val="40000"/>
-        <a:alpha val="90000"/>
-      </a:schemeClr>
-    </dgm:fillClrLst>
-    <dgm:linClrLst meth="repeat">
-      <a:schemeClr val="accent2">
-        <a:tint val="40000"/>
-        <a:alpha val="90000"/>
-      </a:schemeClr>
-      <a:schemeClr val="accent3">
-        <a:tint val="40000"/>
-        <a:alpha val="90000"/>
-      </a:schemeClr>
-      <a:schemeClr val="accent4">
-        <a:tint val="40000"/>
-        <a:alpha val="90000"/>
-      </a:schemeClr>
-      <a:schemeClr val="accent5">
-        <a:tint val="40000"/>
-        <a:alpha val="90000"/>
-      </a:schemeClr>
-      <a:schemeClr val="accent6">
-        <a:tint val="40000"/>
-        <a:alpha val="90000"/>
-      </a:schemeClr>
-    </dgm:linClrLst>
-    <dgm:effectClrLst/>
-    <dgm:txLinClrLst/>
-    <dgm:txFillClrLst meth="repeat">
-      <a:schemeClr val="dk1"/>
-    </dgm:txFillClrLst>
-    <dgm:txEffectClrLst/>
-  </dgm:styleLbl>
-  <dgm:styleLbl name="bgAccFollowNode1">
-    <dgm:fillClrLst meth="repeat">
-      <a:schemeClr val="accent2">
-        <a:tint val="40000"/>
-        <a:alpha val="90000"/>
-      </a:schemeClr>
-      <a:schemeClr val="accent3">
-        <a:tint val="40000"/>
-        <a:alpha val="90000"/>
-      </a:schemeClr>
-      <a:schemeClr val="accent4">
-        <a:tint val="40000"/>
-        <a:alpha val="90000"/>
-      </a:schemeClr>
-      <a:schemeClr val="accent5">
-        <a:tint val="40000"/>
-        <a:alpha val="90000"/>
-      </a:schemeClr>
-      <a:schemeClr val="accent6">
-        <a:tint val="40000"/>
-        <a:alpha val="90000"/>
-      </a:schemeClr>
-    </dgm:fillClrLst>
-    <dgm:linClrLst meth="repeat">
-      <a:schemeClr val="accent2">
-        <a:tint val="40000"/>
-        <a:alpha val="90000"/>
-      </a:schemeClr>
-      <a:schemeClr val="accent3">
-        <a:tint val="40000"/>
-        <a:alpha val="90000"/>
-      </a:schemeClr>
-      <a:schemeClr val="accent4">
-        <a:tint val="40000"/>
-        <a:alpha val="90000"/>
-      </a:schemeClr>
-      <a:schemeClr val="accent5">
-        <a:tint val="40000"/>
-        <a:alpha val="90000"/>
-      </a:schemeClr>
-      <a:schemeClr val="accent6">
-        <a:tint val="40000"/>
-        <a:alpha val="90000"/>
-      </a:schemeClr>
-    </dgm:linClrLst>
-    <dgm:effectClrLst/>
-    <dgm:txLinClrLst/>
-    <dgm:txFillClrLst meth="repeat">
-      <a:schemeClr val="dk1"/>
-    </dgm:txFillClrLst>
-    <dgm:txEffectClrLst/>
-  </dgm:styleLbl>
-  <dgm:styleLbl name="fgAcc0">
-    <dgm:fillClrLst meth="repeat">
-      <a:schemeClr val="lt1">
-        <a:alpha val="90000"/>
-      </a:schemeClr>
-    </dgm:fillClrLst>
-    <dgm:linClrLst>
-      <a:schemeClr val="accent1"/>
-    </dgm:linClrLst>
-    <dgm:effectClrLst/>
-    <dgm:txLinClrLst/>
-    <dgm:txFillClrLst meth="repeat">
-      <a:schemeClr val="dk1"/>
-    </dgm:txFillClrLst>
-    <dgm:txEffectClrLst/>
-  </dgm:styleLbl>
-  <dgm:styleLbl name="fgAcc2">
-    <dgm:fillClrLst meth="repeat">
-      <a:schemeClr val="lt1">
-        <a:alpha val="90000"/>
-      </a:schemeClr>
-    </dgm:fillClrLst>
-    <dgm:linClrLst>
-      <a:schemeClr val="accent2"/>
-    </dgm:linClrLst>
-    <dgm:effectClrLst/>
-    <dgm:txLinClrLst/>
-    <dgm:txFillClrLst meth="repeat">
-      <a:schemeClr val="dk1"/>
-    </dgm:txFillClrLst>
-    <dgm:txEffectClrLst/>
-  </dgm:styleLbl>
-  <dgm:styleLbl name="fgAcc3">
-    <dgm:fillClrLst meth="repeat">
-      <a:schemeClr val="lt1">
-        <a:alpha val="90000"/>
-      </a:schemeClr>
-    </dgm:fillClrLst>
-    <dgm:linClrLst>
-      <a:schemeClr val="accent3"/>
-    </dgm:linClrLst>
-    <dgm:effectClrLst/>
-    <dgm:txLinClrLst/>
-    <dgm:txFillClrLst meth="repeat">
-      <a:schemeClr val="dk1"/>
-    </dgm:txFillClrLst>
-    <dgm:txEffectClrLst/>
-  </dgm:styleLbl>
-  <dgm:styleLbl name="fgAcc4">
-    <dgm:fillClrLst meth="repeat">
-      <a:schemeClr val="lt1">
-        <a:alpha val="90000"/>
-      </a:schemeClr>
-    </dgm:fillClrLst>
-    <dgm:linClrLst>
-      <a:schemeClr val="accent4"/>
-    </dgm:linClrLst>
-    <dgm:effectClrLst/>
-    <dgm:txLinClrLst/>
-    <dgm:txFillClrLst meth="repeat">
-      <a:schemeClr val="dk1"/>
-    </dgm:txFillClrLst>
-    <dgm:txEffectClrLst/>
-  </dgm:styleLbl>
-  <dgm:styleLbl name="bgShp">
-    <dgm:fillClrLst meth="repeat">
-      <a:schemeClr val="accent2">
         <a:tint val="40000"/>
       </a:schemeClr>
     </dgm:fillClrLst>
@@ -2776,10 +2473,261 @@
     </dgm:txFillClrLst>
     <dgm:txEffectClrLst/>
   </dgm:styleLbl>
+  <dgm:styleLbl name="conFgAcc1">
+    <dgm:fillClrLst meth="repeat">
+      <a:schemeClr val="dk1">
+        <a:alpha val="90000"/>
+        <a:tint val="40000"/>
+      </a:schemeClr>
+    </dgm:fillClrLst>
+    <dgm:linClrLst meth="repeat">
+      <a:schemeClr val="dk1"/>
+    </dgm:linClrLst>
+    <dgm:effectClrLst/>
+    <dgm:txLinClrLst/>
+    <dgm:txFillClrLst meth="repeat">
+      <a:schemeClr val="dk1"/>
+    </dgm:txFillClrLst>
+    <dgm:txEffectClrLst/>
+  </dgm:styleLbl>
+  <dgm:styleLbl name="alignAcc1">
+    <dgm:fillClrLst meth="repeat">
+      <a:schemeClr val="dk1">
+        <a:alpha val="90000"/>
+        <a:tint val="40000"/>
+      </a:schemeClr>
+    </dgm:fillClrLst>
+    <dgm:linClrLst meth="repeat">
+      <a:schemeClr val="dk1"/>
+    </dgm:linClrLst>
+    <dgm:effectClrLst/>
+    <dgm:txLinClrLst/>
+    <dgm:txFillClrLst meth="repeat">
+      <a:schemeClr val="dk1"/>
+    </dgm:txFillClrLst>
+    <dgm:txEffectClrLst/>
+  </dgm:styleLbl>
+  <dgm:styleLbl name="trAlignAcc1">
+    <dgm:fillClrLst meth="repeat">
+      <a:schemeClr val="dk1">
+        <a:alpha val="40000"/>
+        <a:tint val="40000"/>
+      </a:schemeClr>
+    </dgm:fillClrLst>
+    <dgm:linClrLst meth="repeat">
+      <a:schemeClr val="dk1"/>
+    </dgm:linClrLst>
+    <dgm:effectClrLst/>
+    <dgm:txLinClrLst/>
+    <dgm:txFillClrLst meth="repeat">
+      <a:schemeClr val="dk1"/>
+    </dgm:txFillClrLst>
+    <dgm:txEffectClrLst/>
+  </dgm:styleLbl>
+  <dgm:styleLbl name="bgAcc1">
+    <dgm:fillClrLst meth="repeat">
+      <a:schemeClr val="dk1">
+        <a:alpha val="90000"/>
+        <a:tint val="40000"/>
+      </a:schemeClr>
+    </dgm:fillClrLst>
+    <dgm:linClrLst meth="repeat">
+      <a:schemeClr val="dk1"/>
+    </dgm:linClrLst>
+    <dgm:effectClrLst/>
+    <dgm:txLinClrLst/>
+    <dgm:txFillClrLst meth="repeat">
+      <a:schemeClr val="dk1"/>
+    </dgm:txFillClrLst>
+    <dgm:txEffectClrLst/>
+  </dgm:styleLbl>
+  <dgm:styleLbl name="solidFgAcc1">
+    <dgm:fillClrLst meth="repeat">
+      <a:schemeClr val="lt1"/>
+    </dgm:fillClrLst>
+    <dgm:linClrLst meth="repeat">
+      <a:schemeClr val="dk1"/>
+    </dgm:linClrLst>
+    <dgm:effectClrLst/>
+    <dgm:txLinClrLst/>
+    <dgm:txFillClrLst meth="repeat">
+      <a:schemeClr val="dk1"/>
+    </dgm:txFillClrLst>
+    <dgm:txEffectClrLst/>
+  </dgm:styleLbl>
+  <dgm:styleLbl name="solidAlignAcc1">
+    <dgm:fillClrLst meth="repeat">
+      <a:schemeClr val="lt1"/>
+    </dgm:fillClrLst>
+    <dgm:linClrLst meth="repeat">
+      <a:schemeClr val="dk1"/>
+    </dgm:linClrLst>
+    <dgm:effectClrLst/>
+    <dgm:txLinClrLst/>
+    <dgm:txFillClrLst meth="repeat">
+      <a:schemeClr val="dk1"/>
+    </dgm:txFillClrLst>
+    <dgm:txEffectClrLst/>
+  </dgm:styleLbl>
+  <dgm:styleLbl name="solidBgAcc1">
+    <dgm:fillClrLst meth="repeat">
+      <a:schemeClr val="lt1"/>
+    </dgm:fillClrLst>
+    <dgm:linClrLst meth="repeat">
+      <a:schemeClr val="dk1"/>
+    </dgm:linClrLst>
+    <dgm:effectClrLst/>
+    <dgm:txLinClrLst/>
+    <dgm:txFillClrLst meth="repeat">
+      <a:schemeClr val="dk1"/>
+    </dgm:txFillClrLst>
+    <dgm:txEffectClrLst/>
+  </dgm:styleLbl>
+  <dgm:styleLbl name="fgAccFollowNode1">
+    <dgm:fillClrLst meth="repeat">
+      <a:schemeClr val="lt1">
+        <a:alpha val="90000"/>
+        <a:tint val="40000"/>
+      </a:schemeClr>
+    </dgm:fillClrLst>
+    <dgm:linClrLst meth="repeat">
+      <a:schemeClr val="dk1">
+        <a:alpha val="90000"/>
+      </a:schemeClr>
+    </dgm:linClrLst>
+    <dgm:effectClrLst/>
+    <dgm:txLinClrLst/>
+    <dgm:txFillClrLst meth="repeat">
+      <a:schemeClr val="dk1"/>
+    </dgm:txFillClrLst>
+    <dgm:txEffectClrLst/>
+  </dgm:styleLbl>
+  <dgm:styleLbl name="alignAccFollowNode1">
+    <dgm:fillClrLst meth="repeat">
+      <a:schemeClr val="lt1">
+        <a:alpha val="90000"/>
+        <a:tint val="40000"/>
+      </a:schemeClr>
+    </dgm:fillClrLst>
+    <dgm:linClrLst meth="repeat">
+      <a:schemeClr val="dk1">
+        <a:alpha val="90000"/>
+      </a:schemeClr>
+    </dgm:linClrLst>
+    <dgm:effectClrLst/>
+    <dgm:txLinClrLst/>
+    <dgm:txFillClrLst meth="repeat">
+      <a:schemeClr val="dk1"/>
+    </dgm:txFillClrLst>
+    <dgm:txEffectClrLst/>
+  </dgm:styleLbl>
+  <dgm:styleLbl name="bgAccFollowNode1">
+    <dgm:fillClrLst meth="repeat">
+      <a:schemeClr val="lt1">
+        <a:alpha val="90000"/>
+        <a:tint val="40000"/>
+      </a:schemeClr>
+    </dgm:fillClrLst>
+    <dgm:linClrLst meth="repeat">
+      <a:schemeClr val="dk1">
+        <a:alpha val="90000"/>
+      </a:schemeClr>
+    </dgm:linClrLst>
+    <dgm:effectClrLst/>
+    <dgm:txLinClrLst/>
+    <dgm:txFillClrLst meth="repeat">
+      <a:schemeClr val="dk1"/>
+    </dgm:txFillClrLst>
+    <dgm:txEffectClrLst/>
+  </dgm:styleLbl>
+  <dgm:styleLbl name="fgAcc0">
+    <dgm:fillClrLst meth="repeat">
+      <a:schemeClr val="dk1">
+        <a:alpha val="90000"/>
+        <a:tint val="40000"/>
+      </a:schemeClr>
+    </dgm:fillClrLst>
+    <dgm:linClrLst meth="repeat">
+      <a:schemeClr val="dk1"/>
+    </dgm:linClrLst>
+    <dgm:effectClrLst/>
+    <dgm:txLinClrLst/>
+    <dgm:txFillClrLst meth="repeat">
+      <a:schemeClr val="dk1"/>
+    </dgm:txFillClrLst>
+    <dgm:txEffectClrLst/>
+  </dgm:styleLbl>
+  <dgm:styleLbl name="fgAcc2">
+    <dgm:fillClrLst meth="repeat">
+      <a:schemeClr val="dk1">
+        <a:alpha val="90000"/>
+        <a:tint val="40000"/>
+      </a:schemeClr>
+    </dgm:fillClrLst>
+    <dgm:linClrLst meth="repeat">
+      <a:schemeClr val="dk1"/>
+    </dgm:linClrLst>
+    <dgm:effectClrLst/>
+    <dgm:txLinClrLst/>
+    <dgm:txFillClrLst meth="repeat">
+      <a:schemeClr val="dk1"/>
+    </dgm:txFillClrLst>
+    <dgm:txEffectClrLst/>
+  </dgm:styleLbl>
+  <dgm:styleLbl name="fgAcc3">
+    <dgm:fillClrLst meth="repeat">
+      <a:schemeClr val="dk1">
+        <a:alpha val="90000"/>
+        <a:tint val="40000"/>
+      </a:schemeClr>
+    </dgm:fillClrLst>
+    <dgm:linClrLst meth="repeat">
+      <a:schemeClr val="dk1"/>
+    </dgm:linClrLst>
+    <dgm:effectClrLst/>
+    <dgm:txLinClrLst/>
+    <dgm:txFillClrLst meth="repeat">
+      <a:schemeClr val="dk1"/>
+    </dgm:txFillClrLst>
+    <dgm:txEffectClrLst/>
+  </dgm:styleLbl>
+  <dgm:styleLbl name="fgAcc4">
+    <dgm:fillClrLst meth="repeat">
+      <a:schemeClr val="dk1">
+        <a:alpha val="90000"/>
+        <a:tint val="40000"/>
+      </a:schemeClr>
+    </dgm:fillClrLst>
+    <dgm:linClrLst meth="repeat">
+      <a:schemeClr val="dk1"/>
+    </dgm:linClrLst>
+    <dgm:effectClrLst/>
+    <dgm:txLinClrLst/>
+    <dgm:txFillClrLst meth="repeat">
+      <a:schemeClr val="dk1"/>
+    </dgm:txFillClrLst>
+    <dgm:txEffectClrLst/>
+  </dgm:styleLbl>
+  <dgm:styleLbl name="bgShp">
+    <dgm:fillClrLst meth="repeat">
+      <a:schemeClr val="dk1">
+        <a:tint val="40000"/>
+      </a:schemeClr>
+    </dgm:fillClrLst>
+    <dgm:linClrLst meth="repeat">
+      <a:schemeClr val="dk1"/>
+    </dgm:linClrLst>
+    <dgm:effectClrLst/>
+    <dgm:txLinClrLst/>
+    <dgm:txFillClrLst meth="repeat">
+      <a:schemeClr val="dk1"/>
+    </dgm:txFillClrLst>
+    <dgm:txEffectClrLst/>
+  </dgm:styleLbl>
   <dgm:styleLbl name="dkBgShp">
     <dgm:fillClrLst meth="repeat">
-      <a:schemeClr val="accent2">
-        <a:shade val="90000"/>
+      <a:schemeClr val="dk1">
+        <a:shade val="80000"/>
       </a:schemeClr>
     </dgm:fillClrLst>
     <dgm:linClrLst meth="repeat">
@@ -2794,13 +2742,13 @@
   </dgm:styleLbl>
   <dgm:styleLbl name="trBgShp">
     <dgm:fillClrLst meth="repeat">
-      <a:schemeClr val="accent1">
+      <a:schemeClr val="dk1">
         <a:tint val="50000"/>
         <a:alpha val="40000"/>
       </a:schemeClr>
     </dgm:fillClrLst>
     <dgm:linClrLst meth="repeat">
-      <a:schemeClr val="accent2"/>
+      <a:schemeClr val="dk1"/>
     </dgm:linClrLst>
     <dgm:effectClrLst/>
     <dgm:txLinClrLst/>
@@ -2811,8 +2759,8 @@
   </dgm:styleLbl>
   <dgm:styleLbl name="fgShp">
     <dgm:fillClrLst meth="repeat">
-      <a:schemeClr val="accent2">
-        <a:tint val="40000"/>
+      <a:schemeClr val="dk1">
+        <a:tint val="60000"/>
       </a:schemeClr>
     </dgm:fillClrLst>
     <dgm:linClrLst meth="repeat">
@@ -2847,158 +2795,150 @@
 </file>
 
 <file path=ppt/diagrams/colors4.xml><?xml version="1.0" encoding="utf-8"?>
-<dgm:colorsDef xmlns:dgm="http://schemas.openxmlformats.org/drawingml/2006/diagram" xmlns:a="http://schemas.openxmlformats.org/drawingml/2006/main" uniqueId="urn:microsoft.com/office/officeart/2005/8/colors/colorful1">
+<dgm:colorsDef xmlns:dgm="http://schemas.openxmlformats.org/drawingml/2006/diagram" xmlns:a="http://schemas.openxmlformats.org/drawingml/2006/main" uniqueId="urn:microsoft.com/office/officeart/2005/8/colors/accent0_1">
   <dgm:title val=""/>
   <dgm:desc val=""/>
   <dgm:catLst>
-    <dgm:cat type="colorful" pri="10100"/>
+    <dgm:cat type="mainScheme" pri="10100"/>
   </dgm:catLst>
   <dgm:styleLbl name="node0">
     <dgm:fillClrLst meth="repeat">
-      <a:schemeClr val="accent1"/>
+      <a:schemeClr val="lt1"/>
     </dgm:fillClrLst>
     <dgm:linClrLst meth="repeat">
+      <a:schemeClr val="dk1">
+        <a:shade val="80000"/>
+      </a:schemeClr>
+    </dgm:linClrLst>
+    <dgm:effectClrLst/>
+    <dgm:txLinClrLst/>
+    <dgm:txFillClrLst meth="repeat">
+      <a:schemeClr val="dk1"/>
+    </dgm:txFillClrLst>
+    <dgm:txEffectClrLst/>
+  </dgm:styleLbl>
+  <dgm:styleLbl name="node1">
+    <dgm:fillClrLst meth="repeat">
       <a:schemeClr val="lt1"/>
+    </dgm:fillClrLst>
+    <dgm:linClrLst meth="repeat">
+      <a:schemeClr val="dk1">
+        <a:shade val="80000"/>
+      </a:schemeClr>
+    </dgm:linClrLst>
+    <dgm:effectClrLst/>
+    <dgm:txLinClrLst/>
+    <dgm:txFillClrLst meth="repeat">
+      <a:schemeClr val="dk1"/>
+    </dgm:txFillClrLst>
+    <dgm:txEffectClrLst/>
+  </dgm:styleLbl>
+  <dgm:styleLbl name="alignNode1">
+    <dgm:fillClrLst meth="repeat">
+      <a:schemeClr val="lt1"/>
+    </dgm:fillClrLst>
+    <dgm:linClrLst meth="repeat">
+      <a:schemeClr val="dk1">
+        <a:shade val="80000"/>
+      </a:schemeClr>
+    </dgm:linClrLst>
+    <dgm:effectClrLst/>
+    <dgm:txLinClrLst/>
+    <dgm:txFillClrLst meth="repeat">
+      <a:schemeClr val="dk1"/>
+    </dgm:txFillClrLst>
+    <dgm:txEffectClrLst/>
+  </dgm:styleLbl>
+  <dgm:styleLbl name="lnNode1">
+    <dgm:fillClrLst meth="repeat">
+      <a:schemeClr val="lt1"/>
+    </dgm:fillClrLst>
+    <dgm:linClrLst meth="repeat">
+      <a:schemeClr val="dk1">
+        <a:shade val="80000"/>
+      </a:schemeClr>
+    </dgm:linClrLst>
+    <dgm:effectClrLst/>
+    <dgm:txLinClrLst/>
+    <dgm:txFillClrLst meth="repeat">
+      <a:schemeClr val="dk1"/>
+    </dgm:txFillClrLst>
+    <dgm:txEffectClrLst/>
+  </dgm:styleLbl>
+  <dgm:styleLbl name="vennNode1">
+    <dgm:fillClrLst meth="repeat">
+      <a:schemeClr val="lt1">
+        <a:alpha val="50000"/>
+      </a:schemeClr>
+    </dgm:fillClrLst>
+    <dgm:linClrLst meth="repeat">
+      <a:schemeClr val="dk1">
+        <a:shade val="80000"/>
+      </a:schemeClr>
     </dgm:linClrLst>
     <dgm:effectClrLst/>
     <dgm:txLinClrLst/>
     <dgm:txFillClrLst/>
     <dgm:txEffectClrLst/>
   </dgm:styleLbl>
-  <dgm:styleLbl name="node1">
+  <dgm:styleLbl name="node2">
     <dgm:fillClrLst meth="repeat">
-      <a:schemeClr val="accent2"/>
-      <a:schemeClr val="accent3"/>
-      <a:schemeClr val="accent4"/>
-      <a:schemeClr val="accent5"/>
-      <a:schemeClr val="accent6"/>
+      <a:schemeClr val="lt1"/>
     </dgm:fillClrLst>
     <dgm:linClrLst meth="repeat">
-      <a:schemeClr val="lt1"/>
+      <a:schemeClr val="dk1">
+        <a:shade val="80000"/>
+      </a:schemeClr>
     </dgm:linClrLst>
     <dgm:effectClrLst/>
     <dgm:txLinClrLst/>
-    <dgm:txFillClrLst/>
+    <dgm:txFillClrLst meth="repeat">
+      <a:schemeClr val="dk1"/>
+    </dgm:txFillClrLst>
     <dgm:txEffectClrLst/>
   </dgm:styleLbl>
-  <dgm:styleLbl name="alignNode1">
+  <dgm:styleLbl name="node3">
     <dgm:fillClrLst meth="repeat">
-      <a:schemeClr val="accent2"/>
-      <a:schemeClr val="accent3"/>
-      <a:schemeClr val="accent4"/>
-      <a:schemeClr val="accent5"/>
-      <a:schemeClr val="accent6"/>
+      <a:schemeClr val="lt1"/>
     </dgm:fillClrLst>
     <dgm:linClrLst meth="repeat">
-      <a:schemeClr val="accent2"/>
-      <a:schemeClr val="accent3"/>
-      <a:schemeClr val="accent4"/>
-      <a:schemeClr val="accent5"/>
-      <a:schemeClr val="accent6"/>
+      <a:schemeClr val="dk1">
+        <a:shade val="80000"/>
+      </a:schemeClr>
     </dgm:linClrLst>
     <dgm:effectClrLst/>
     <dgm:txLinClrLst/>
-    <dgm:txFillClrLst/>
+    <dgm:txFillClrLst meth="repeat">
+      <a:schemeClr val="dk1"/>
+    </dgm:txFillClrLst>
     <dgm:txEffectClrLst/>
   </dgm:styleLbl>
-  <dgm:styleLbl name="lnNode1">
+  <dgm:styleLbl name="node4">
     <dgm:fillClrLst meth="repeat">
-      <a:schemeClr val="accent2"/>
-      <a:schemeClr val="accent3"/>
-      <a:schemeClr val="accent4"/>
-      <a:schemeClr val="accent5"/>
-      <a:schemeClr val="accent6"/>
+      <a:schemeClr val="lt1"/>
     </dgm:fillClrLst>
     <dgm:linClrLst meth="repeat">
-      <a:schemeClr val="lt1"/>
+      <a:schemeClr val="dk1">
+        <a:shade val="80000"/>
+      </a:schemeClr>
     </dgm:linClrLst>
     <dgm:effectClrLst/>
     <dgm:txLinClrLst/>
-    <dgm:txFillClrLst/>
+    <dgm:txFillClrLst meth="repeat">
+      <a:schemeClr val="dk1"/>
+    </dgm:txFillClrLst>
     <dgm:txEffectClrLst/>
   </dgm:styleLbl>
-  <dgm:styleLbl name="vennNode1">
+  <dgm:styleLbl name="fgImgPlace1">
     <dgm:fillClrLst meth="repeat">
-      <a:schemeClr val="accent2">
-        <a:alpha val="50000"/>
-      </a:schemeClr>
-      <a:schemeClr val="accent3">
-        <a:alpha val="50000"/>
-      </a:schemeClr>
-      <a:schemeClr val="accent4">
-        <a:alpha val="50000"/>
-      </a:schemeClr>
-      <a:schemeClr val="accent5">
-        <a:alpha val="50000"/>
-      </a:schemeClr>
-      <a:schemeClr val="accent6">
-        <a:alpha val="50000"/>
+      <a:schemeClr val="dk1">
+        <a:tint val="40000"/>
       </a:schemeClr>
     </dgm:fillClrLst>
     <dgm:linClrLst meth="repeat">
-      <a:schemeClr val="lt1"/>
-    </dgm:linClrLst>
-    <dgm:effectClrLst/>
-    <dgm:txLinClrLst/>
-    <dgm:txFillClrLst/>
-    <dgm:txEffectClrLst/>
-  </dgm:styleLbl>
-  <dgm:styleLbl name="node2">
-    <dgm:fillClrLst>
-      <a:schemeClr val="accent2"/>
-    </dgm:fillClrLst>
-    <dgm:linClrLst meth="repeat">
-      <a:schemeClr val="lt1"/>
-    </dgm:linClrLst>
-    <dgm:effectClrLst/>
-    <dgm:txLinClrLst/>
-    <dgm:txFillClrLst/>
-    <dgm:txEffectClrLst/>
-  </dgm:styleLbl>
-  <dgm:styleLbl name="node3">
-    <dgm:fillClrLst>
-      <a:schemeClr val="accent3"/>
-    </dgm:fillClrLst>
-    <dgm:linClrLst meth="repeat">
-      <a:schemeClr val="lt1"/>
-    </dgm:linClrLst>
-    <dgm:effectClrLst/>
-    <dgm:txLinClrLst/>
-    <dgm:txFillClrLst/>
-    <dgm:txEffectClrLst/>
-  </dgm:styleLbl>
-  <dgm:styleLbl name="node4">
-    <dgm:fillClrLst>
-      <a:schemeClr val="accent4"/>
-    </dgm:fillClrLst>
-    <dgm:linClrLst meth="repeat">
-      <a:schemeClr val="lt1"/>
-    </dgm:linClrLst>
-    <dgm:effectClrLst/>
-    <dgm:txLinClrLst/>
-    <dgm:txFillClrLst/>
-    <dgm:txEffectClrLst/>
-  </dgm:styleLbl>
-  <dgm:styleLbl name="fgImgPlace1">
-    <dgm:fillClrLst meth="repeat">
-      <a:schemeClr val="accent2">
-        <a:tint val="50000"/>
+      <a:schemeClr val="dk1">
+        <a:shade val="80000"/>
       </a:schemeClr>
-      <a:schemeClr val="accent3">
-        <a:tint val="50000"/>
-      </a:schemeClr>
-      <a:schemeClr val="accent4">
-        <a:tint val="50000"/>
-      </a:schemeClr>
-      <a:schemeClr val="accent5">
-        <a:tint val="50000"/>
-      </a:schemeClr>
-      <a:schemeClr val="accent6">
-        <a:tint val="50000"/>
-      </a:schemeClr>
-    </dgm:fillClrLst>
-    <dgm:linClrLst meth="repeat">
-      <a:schemeClr val="lt1"/>
     </dgm:linClrLst>
     <dgm:effectClrLst/>
     <dgm:txLinClrLst/>
@@ -3008,16 +2948,15 @@
     <dgm:txEffectClrLst/>
   </dgm:styleLbl>
   <dgm:styleLbl name="alignImgPlace1">
-    <dgm:fillClrLst>
-      <a:schemeClr val="accent1">
-        <a:tint val="50000"/>
-      </a:schemeClr>
-      <a:schemeClr val="accent2">
-        <a:tint val="20000"/>
+    <dgm:fillClrLst meth="repeat">
+      <a:schemeClr val="dk1">
+        <a:tint val="40000"/>
       </a:schemeClr>
     </dgm:fillClrLst>
     <dgm:linClrLst meth="repeat">
-      <a:schemeClr val="lt1"/>
+      <a:schemeClr val="dk1">
+        <a:shade val="80000"/>
+      </a:schemeClr>
     </dgm:linClrLst>
     <dgm:effectClrLst/>
     <dgm:txLinClrLst/>
@@ -3027,16 +2966,15 @@
     <dgm:txEffectClrLst/>
   </dgm:styleLbl>
   <dgm:styleLbl name="bgImgPlace1">
-    <dgm:fillClrLst>
-      <a:schemeClr val="accent1">
-        <a:tint val="50000"/>
-      </a:schemeClr>
-      <a:schemeClr val="accent2">
-        <a:tint val="20000"/>
+    <dgm:fillClrLst meth="repeat">
+      <a:schemeClr val="dk1">
+        <a:tint val="40000"/>
       </a:schemeClr>
     </dgm:fillClrLst>
     <dgm:linClrLst meth="repeat">
-      <a:schemeClr val="lt1"/>
+      <a:schemeClr val="dk1">
+        <a:shade val="80000"/>
+      </a:schemeClr>
     </dgm:linClrLst>
     <dgm:effectClrLst/>
     <dgm:txLinClrLst/>
@@ -3047,30 +2985,212 @@
   </dgm:styleLbl>
   <dgm:styleLbl name="sibTrans2D1">
     <dgm:fillClrLst meth="repeat">
-      <a:schemeClr val="accent2"/>
-      <a:schemeClr val="accent3"/>
-      <a:schemeClr val="accent4"/>
-      <a:schemeClr val="accent5"/>
-      <a:schemeClr val="accent6"/>
+      <a:schemeClr val="dk1">
+        <a:tint val="60000"/>
+      </a:schemeClr>
     </dgm:fillClrLst>
-    <dgm:linClrLst meth="cycle">
+    <dgm:linClrLst meth="repeat">
+      <a:schemeClr val="dk1">
+        <a:tint val="60000"/>
+      </a:schemeClr>
+    </dgm:linClrLst>
+    <dgm:effectClrLst/>
+    <dgm:txLinClrLst/>
+    <dgm:txFillClrLst meth="repeat">
+      <a:schemeClr val="dk1"/>
+    </dgm:txFillClrLst>
+    <dgm:txEffectClrLst/>
+  </dgm:styleLbl>
+  <dgm:styleLbl name="fgSibTrans2D1">
+    <dgm:fillClrLst meth="repeat">
+      <a:schemeClr val="dk1">
+        <a:tint val="60000"/>
+      </a:schemeClr>
+    </dgm:fillClrLst>
+    <dgm:linClrLst meth="repeat">
+      <a:schemeClr val="dk1">
+        <a:tint val="60000"/>
+      </a:schemeClr>
+    </dgm:linClrLst>
+    <dgm:effectClrLst/>
+    <dgm:txLinClrLst/>
+    <dgm:txFillClrLst meth="repeat">
+      <a:schemeClr val="dk1"/>
+    </dgm:txFillClrLst>
+    <dgm:txEffectClrLst/>
+  </dgm:styleLbl>
+  <dgm:styleLbl name="bgSibTrans2D1">
+    <dgm:fillClrLst meth="repeat">
+      <a:schemeClr val="dk1">
+        <a:tint val="60000"/>
+      </a:schemeClr>
+    </dgm:fillClrLst>
+    <dgm:linClrLst meth="repeat">
+      <a:schemeClr val="dk1">
+        <a:tint val="60000"/>
+      </a:schemeClr>
+    </dgm:linClrLst>
+    <dgm:effectClrLst/>
+    <dgm:txLinClrLst/>
+    <dgm:txFillClrLst meth="repeat">
+      <a:schemeClr val="dk1"/>
+    </dgm:txFillClrLst>
+    <dgm:txEffectClrLst/>
+  </dgm:styleLbl>
+  <dgm:styleLbl name="sibTrans1D1">
+    <dgm:fillClrLst meth="repeat">
+      <a:schemeClr val="dk1"/>
+    </dgm:fillClrLst>
+    <dgm:linClrLst meth="repeat">
+      <a:schemeClr val="dk1"/>
+    </dgm:linClrLst>
+    <dgm:effectClrLst/>
+    <dgm:txLinClrLst/>
+    <dgm:txFillClrLst meth="repeat">
+      <a:schemeClr val="tx1"/>
+    </dgm:txFillClrLst>
+    <dgm:txEffectClrLst/>
+  </dgm:styleLbl>
+  <dgm:styleLbl name="callout">
+    <dgm:fillClrLst meth="repeat">
+      <a:schemeClr val="dk1"/>
+    </dgm:fillClrLst>
+    <dgm:linClrLst meth="repeat">
+      <a:schemeClr val="dk1"/>
+    </dgm:linClrLst>
+    <dgm:effectClrLst/>
+    <dgm:txLinClrLst/>
+    <dgm:txFillClrLst meth="repeat">
+      <a:schemeClr val="tx1"/>
+    </dgm:txFillClrLst>
+    <dgm:txEffectClrLst/>
+  </dgm:styleLbl>
+  <dgm:styleLbl name="asst0">
+    <dgm:fillClrLst meth="repeat">
       <a:schemeClr val="lt1"/>
+    </dgm:fillClrLst>
+    <dgm:linClrLst meth="repeat">
+      <a:schemeClr val="dk1">
+        <a:shade val="80000"/>
+      </a:schemeClr>
+    </dgm:linClrLst>
+    <dgm:effectClrLst/>
+    <dgm:txLinClrLst/>
+    <dgm:txFillClrLst meth="repeat">
+      <a:schemeClr val="dk1"/>
+    </dgm:txFillClrLst>
+    <dgm:txEffectClrLst/>
+  </dgm:styleLbl>
+  <dgm:styleLbl name="asst1">
+    <dgm:fillClrLst meth="repeat">
+      <a:schemeClr val="lt1"/>
+    </dgm:fillClrLst>
+    <dgm:linClrLst meth="repeat">
+      <a:schemeClr val="dk1">
+        <a:shade val="80000"/>
+      </a:schemeClr>
+    </dgm:linClrLst>
+    <dgm:effectClrLst/>
+    <dgm:txLinClrLst/>
+    <dgm:txFillClrLst meth="repeat">
+      <a:schemeClr val="dk1"/>
+    </dgm:txFillClrLst>
+    <dgm:txEffectClrLst/>
+  </dgm:styleLbl>
+  <dgm:styleLbl name="asst2">
+    <dgm:fillClrLst meth="repeat">
+      <a:schemeClr val="lt1"/>
+    </dgm:fillClrLst>
+    <dgm:linClrLst meth="repeat">
+      <a:schemeClr val="dk1">
+        <a:shade val="80000"/>
+      </a:schemeClr>
+    </dgm:linClrLst>
+    <dgm:effectClrLst/>
+    <dgm:txLinClrLst/>
+    <dgm:txFillClrLst meth="repeat">
+      <a:schemeClr val="dk1"/>
+    </dgm:txFillClrLst>
+    <dgm:txEffectClrLst/>
+  </dgm:styleLbl>
+  <dgm:styleLbl name="asst3">
+    <dgm:fillClrLst meth="repeat">
+      <a:schemeClr val="lt1"/>
+    </dgm:fillClrLst>
+    <dgm:linClrLst meth="repeat">
+      <a:schemeClr val="dk1">
+        <a:shade val="80000"/>
+      </a:schemeClr>
+    </dgm:linClrLst>
+    <dgm:effectClrLst/>
+    <dgm:txLinClrLst/>
+    <dgm:txFillClrLst meth="repeat">
+      <a:schemeClr val="dk1"/>
+    </dgm:txFillClrLst>
+    <dgm:txEffectClrLst/>
+  </dgm:styleLbl>
+  <dgm:styleLbl name="asst4">
+    <dgm:fillClrLst meth="repeat">
+      <a:schemeClr val="lt1"/>
+    </dgm:fillClrLst>
+    <dgm:linClrLst meth="repeat">
+      <a:schemeClr val="dk1">
+        <a:shade val="80000"/>
+      </a:schemeClr>
+    </dgm:linClrLst>
+    <dgm:effectClrLst/>
+    <dgm:txLinClrLst/>
+    <dgm:txFillClrLst meth="repeat">
+      <a:schemeClr val="dk1"/>
+    </dgm:txFillClrLst>
+    <dgm:txEffectClrLst/>
+  </dgm:styleLbl>
+  <dgm:styleLbl name="parChTrans2D1">
+    <dgm:fillClrLst meth="repeat">
+      <a:schemeClr val="dk1">
+        <a:tint val="60000"/>
+      </a:schemeClr>
+    </dgm:fillClrLst>
+    <dgm:linClrLst meth="repeat">
+      <a:schemeClr val="dk1">
+        <a:tint val="60000"/>
+      </a:schemeClr>
     </dgm:linClrLst>
     <dgm:effectClrLst/>
     <dgm:txLinClrLst/>
     <dgm:txFillClrLst/>
     <dgm:txEffectClrLst/>
   </dgm:styleLbl>
-  <dgm:styleLbl name="fgSibTrans2D1">
+  <dgm:styleLbl name="parChTrans2D2">
     <dgm:fillClrLst meth="repeat">
-      <a:schemeClr val="accent2"/>
-      <a:schemeClr val="accent3"/>
-      <a:schemeClr val="accent4"/>
-      <a:schemeClr val="accent5"/>
-      <a:schemeClr val="accent6"/>
+      <a:schemeClr val="dk1"/>
     </dgm:fillClrLst>
-    <dgm:linClrLst meth="cycle">
-      <a:schemeClr val="lt1"/>
+    <dgm:linClrLst meth="repeat">
+      <a:schemeClr val="dk1"/>
+    </dgm:linClrLst>
+    <dgm:effectClrLst/>
+    <dgm:txLinClrLst/>
+    <dgm:txFillClrLst/>
+    <dgm:txEffectClrLst/>
+  </dgm:styleLbl>
+  <dgm:styleLbl name="parChTrans2D3">
+    <dgm:fillClrLst meth="repeat">
+      <a:schemeClr val="dk1"/>
+    </dgm:fillClrLst>
+    <dgm:linClrLst meth="repeat">
+      <a:schemeClr val="dk1"/>
+    </dgm:linClrLst>
+    <dgm:effectClrLst/>
+    <dgm:txLinClrLst/>
+    <dgm:txFillClrLst/>
+    <dgm:txEffectClrLst/>
+  </dgm:styleLbl>
+  <dgm:styleLbl name="parChTrans2D4">
+    <dgm:fillClrLst meth="repeat">
+      <a:schemeClr val="dk1"/>
+    </dgm:fillClrLst>
+    <dgm:linClrLst meth="repeat">
+      <a:schemeClr val="dk1"/>
     </dgm:linClrLst>
     <dgm:effectClrLst/>
     <dgm:txLinClrLst/>
@@ -3079,53 +3199,13 @@
     </dgm:txFillClrLst>
     <dgm:txEffectClrLst/>
   </dgm:styleLbl>
-  <dgm:styleLbl name="bgSibTrans2D1">
+  <dgm:styleLbl name="parChTrans1D1">
     <dgm:fillClrLst meth="repeat">
-      <a:schemeClr val="accent2"/>
-      <a:schemeClr val="accent3"/>
-      <a:schemeClr val="accent4"/>
-      <a:schemeClr val="accent5"/>
-      <a:schemeClr val="accent6"/>
-    </dgm:fillClrLst>
-    <dgm:linClrLst meth="cycle">
-      <a:schemeClr val="lt1"/>
-    </dgm:linClrLst>
-    <dgm:effectClrLst/>
-    <dgm:txLinClrLst/>
-    <dgm:txFillClrLst meth="repeat">
-      <a:schemeClr val="lt1"/>
-    </dgm:txFillClrLst>
-    <dgm:txEffectClrLst/>
-  </dgm:styleLbl>
-  <dgm:styleLbl name="sibTrans1D1">
-    <dgm:fillClrLst meth="repeat">
-      <a:schemeClr val="accent2"/>
-      <a:schemeClr val="accent3"/>
-      <a:schemeClr val="accent4"/>
-      <a:schemeClr val="accent5"/>
-      <a:schemeClr val="accent6"/>
+      <a:schemeClr val="dk1"/>
     </dgm:fillClrLst>
     <dgm:linClrLst meth="repeat">
-      <a:schemeClr val="accent2"/>
-      <a:schemeClr val="accent3"/>
-      <a:schemeClr val="accent4"/>
-      <a:schemeClr val="accent5"/>
-      <a:schemeClr val="accent6"/>
-    </dgm:linClrLst>
-    <dgm:effectClrLst/>
-    <dgm:txLinClrLst/>
-    <dgm:txFillClrLst meth="repeat">
-      <a:schemeClr val="tx1"/>
-    </dgm:txFillClrLst>
-    <dgm:txEffectClrLst/>
-  </dgm:styleLbl>
-  <dgm:styleLbl name="callout">
-    <dgm:fillClrLst meth="repeat">
-      <a:schemeClr val="accent2"/>
-    </dgm:fillClrLst>
-    <dgm:linClrLst meth="repeat">
-      <a:schemeClr val="accent2">
-        <a:tint val="50000"/>
+      <a:schemeClr val="dk1">
+        <a:shade val="60000"/>
       </a:schemeClr>
     </dgm:linClrLst>
     <dgm:effectClrLst/>
@@ -3135,124 +3215,14 @@
     </dgm:txFillClrLst>
     <dgm:txEffectClrLst/>
   </dgm:styleLbl>
-  <dgm:styleLbl name="asst0">
+  <dgm:styleLbl name="parChTrans1D2">
     <dgm:fillClrLst meth="repeat">
-      <a:schemeClr val="accent1"/>
+      <a:schemeClr val="dk1"/>
     </dgm:fillClrLst>
     <dgm:linClrLst meth="repeat">
-      <a:schemeClr val="lt1"/>
-    </dgm:linClrLst>
-    <dgm:effectClrLst/>
-    <dgm:txLinClrLst/>
-    <dgm:txFillClrLst/>
-    <dgm:txEffectClrLst/>
-  </dgm:styleLbl>
-  <dgm:styleLbl name="asst1">
-    <dgm:fillClrLst meth="repeat">
-      <a:schemeClr val="accent2"/>
-    </dgm:fillClrLst>
-    <dgm:linClrLst meth="repeat">
-      <a:schemeClr val="lt1"/>
-    </dgm:linClrLst>
-    <dgm:effectClrLst/>
-    <dgm:txLinClrLst/>
-    <dgm:txFillClrLst/>
-    <dgm:txEffectClrLst/>
-  </dgm:styleLbl>
-  <dgm:styleLbl name="asst2">
-    <dgm:fillClrLst>
-      <a:schemeClr val="accent3"/>
-    </dgm:fillClrLst>
-    <dgm:linClrLst meth="repeat">
-      <a:schemeClr val="lt1"/>
-    </dgm:linClrLst>
-    <dgm:effectClrLst/>
-    <dgm:txLinClrLst/>
-    <dgm:txFillClrLst/>
-    <dgm:txEffectClrLst/>
-  </dgm:styleLbl>
-  <dgm:styleLbl name="asst3">
-    <dgm:fillClrLst>
-      <a:schemeClr val="accent4"/>
-    </dgm:fillClrLst>
-    <dgm:linClrLst meth="repeat">
-      <a:schemeClr val="lt1"/>
-    </dgm:linClrLst>
-    <dgm:effectClrLst/>
-    <dgm:txLinClrLst/>
-    <dgm:txFillClrLst/>
-    <dgm:txEffectClrLst/>
-  </dgm:styleLbl>
-  <dgm:styleLbl name="asst4">
-    <dgm:fillClrLst>
-      <a:schemeClr val="accent5"/>
-    </dgm:fillClrLst>
-    <dgm:linClrLst meth="repeat">
-      <a:schemeClr val="lt1"/>
-    </dgm:linClrLst>
-    <dgm:effectClrLst/>
-    <dgm:txLinClrLst/>
-    <dgm:txFillClrLst/>
-    <dgm:txEffectClrLst/>
-  </dgm:styleLbl>
-  <dgm:styleLbl name="parChTrans2D1">
-    <dgm:fillClrLst meth="repeat">
-      <a:schemeClr val="accent2"/>
-    </dgm:fillClrLst>
-    <dgm:linClrLst meth="repeat">
-      <a:schemeClr val="lt1"/>
-    </dgm:linClrLst>
-    <dgm:effectClrLst/>
-    <dgm:txLinClrLst/>
-    <dgm:txFillClrLst meth="repeat">
-      <a:schemeClr val="lt1"/>
-    </dgm:txFillClrLst>
-    <dgm:txEffectClrLst/>
-  </dgm:styleLbl>
-  <dgm:styleLbl name="parChTrans2D2">
-    <dgm:fillClrLst meth="repeat">
-      <a:schemeClr val="accent3"/>
-    </dgm:fillClrLst>
-    <dgm:linClrLst meth="repeat">
-      <a:schemeClr val="lt1"/>
-    </dgm:linClrLst>
-    <dgm:effectClrLst/>
-    <dgm:txLinClrLst/>
-    <dgm:txFillClrLst/>
-    <dgm:txEffectClrLst/>
-  </dgm:styleLbl>
-  <dgm:styleLbl name="parChTrans2D3">
-    <dgm:fillClrLst meth="repeat">
-      <a:schemeClr val="accent4"/>
-    </dgm:fillClrLst>
-    <dgm:linClrLst meth="repeat">
-      <a:schemeClr val="lt1"/>
-    </dgm:linClrLst>
-    <dgm:effectClrLst/>
-    <dgm:txLinClrLst/>
-    <dgm:txFillClrLst/>
-    <dgm:txEffectClrLst/>
-  </dgm:styleLbl>
-  <dgm:styleLbl name="parChTrans2D4">
-    <dgm:fillClrLst meth="repeat">
-      <a:schemeClr val="accent5"/>
-    </dgm:fillClrLst>
-    <dgm:linClrLst meth="repeat">
-      <a:schemeClr val="lt1"/>
-    </dgm:linClrLst>
-    <dgm:effectClrLst/>
-    <dgm:txLinClrLst/>
-    <dgm:txFillClrLst meth="repeat">
-      <a:schemeClr val="lt1"/>
-    </dgm:txFillClrLst>
-    <dgm:txEffectClrLst/>
-  </dgm:styleLbl>
-  <dgm:styleLbl name="parChTrans1D1">
-    <dgm:fillClrLst meth="repeat">
-      <a:schemeClr val="accent2"/>
-    </dgm:fillClrLst>
-    <dgm:linClrLst meth="repeat">
-      <a:schemeClr val="accent1"/>
+      <a:schemeClr val="dk1">
+        <a:shade val="60000"/>
+      </a:schemeClr>
     </dgm:linClrLst>
     <dgm:effectClrLst/>
     <dgm:txLinClrLst/>
@@ -3261,14 +3231,14 @@
     </dgm:txFillClrLst>
     <dgm:txEffectClrLst/>
   </dgm:styleLbl>
-  <dgm:styleLbl name="parChTrans1D2">
+  <dgm:styleLbl name="parChTrans1D3">
     <dgm:fillClrLst meth="repeat">
-      <a:schemeClr val="accent3">
-        <a:tint val="90000"/>
-      </a:schemeClr>
+      <a:schemeClr val="dk1"/>
     </dgm:fillClrLst>
     <dgm:linClrLst meth="repeat">
-      <a:schemeClr val="accent2"/>
+      <a:schemeClr val="dk1">
+        <a:shade val="80000"/>
+      </a:schemeClr>
     </dgm:linClrLst>
     <dgm:effectClrLst/>
     <dgm:txLinClrLst/>
@@ -3277,14 +3247,14 @@
     </dgm:txFillClrLst>
     <dgm:txEffectClrLst/>
   </dgm:styleLbl>
-  <dgm:styleLbl name="parChTrans1D3">
+  <dgm:styleLbl name="parChTrans1D4">
     <dgm:fillClrLst meth="repeat">
-      <a:schemeClr val="accent4">
-        <a:tint val="70000"/>
-      </a:schemeClr>
+      <a:schemeClr val="dk1"/>
     </dgm:fillClrLst>
     <dgm:linClrLst meth="repeat">
-      <a:schemeClr val="accent3"/>
+      <a:schemeClr val="dk1">
+        <a:shade val="80000"/>
+      </a:schemeClr>
     </dgm:linClrLst>
     <dgm:effectClrLst/>
     <dgm:txLinClrLst/>
@@ -3293,395 +3263,10 @@
     </dgm:txFillClrLst>
     <dgm:txEffectClrLst/>
   </dgm:styleLbl>
-  <dgm:styleLbl name="parChTrans1D4">
-    <dgm:fillClrLst meth="repeat">
-      <a:schemeClr val="accent5">
-        <a:tint val="50000"/>
-      </a:schemeClr>
-    </dgm:fillClrLst>
-    <dgm:linClrLst meth="repeat">
-      <a:schemeClr val="accent4"/>
-    </dgm:linClrLst>
-    <dgm:effectClrLst/>
-    <dgm:txLinClrLst/>
-    <dgm:txFillClrLst meth="repeat">
-      <a:schemeClr val="tx1"/>
-    </dgm:txFillClrLst>
-    <dgm:txEffectClrLst/>
-  </dgm:styleLbl>
   <dgm:styleLbl name="fgAcc1">
     <dgm:fillClrLst meth="repeat">
-      <a:schemeClr val="lt1">
+      <a:schemeClr val="dk1">
         <a:alpha val="90000"/>
-      </a:schemeClr>
-    </dgm:fillClrLst>
-    <dgm:linClrLst meth="repeat">
-      <a:schemeClr val="accent2"/>
-      <a:schemeClr val="accent3"/>
-      <a:schemeClr val="accent4"/>
-      <a:schemeClr val="accent5"/>
-      <a:schemeClr val="accent6"/>
-    </dgm:linClrLst>
-    <dgm:effectClrLst/>
-    <dgm:txLinClrLst/>
-    <dgm:txFillClrLst meth="repeat">
-      <a:schemeClr val="dk1"/>
-    </dgm:txFillClrLst>
-    <dgm:txEffectClrLst/>
-  </dgm:styleLbl>
-  <dgm:styleLbl name="conFgAcc1">
-    <dgm:fillClrLst meth="repeat">
-      <a:schemeClr val="lt1">
-        <a:alpha val="90000"/>
-      </a:schemeClr>
-    </dgm:fillClrLst>
-    <dgm:linClrLst meth="repeat">
-      <a:schemeClr val="accent2"/>
-      <a:schemeClr val="accent3"/>
-      <a:schemeClr val="accent4"/>
-      <a:schemeClr val="accent5"/>
-      <a:schemeClr val="accent6"/>
-    </dgm:linClrLst>
-    <dgm:effectClrLst/>
-    <dgm:txLinClrLst/>
-    <dgm:txFillClrLst meth="repeat">
-      <a:schemeClr val="dk1"/>
-    </dgm:txFillClrLst>
-    <dgm:txEffectClrLst/>
-  </dgm:styleLbl>
-  <dgm:styleLbl name="alignAcc1">
-    <dgm:fillClrLst meth="repeat">
-      <a:schemeClr val="lt1">
-        <a:alpha val="90000"/>
-      </a:schemeClr>
-    </dgm:fillClrLst>
-    <dgm:linClrLst meth="repeat">
-      <a:schemeClr val="accent2"/>
-      <a:schemeClr val="accent3"/>
-      <a:schemeClr val="accent4"/>
-      <a:schemeClr val="accent5"/>
-      <a:schemeClr val="accent6"/>
-    </dgm:linClrLst>
-    <dgm:effectClrLst/>
-    <dgm:txLinClrLst/>
-    <dgm:txFillClrLst meth="repeat">
-      <a:schemeClr val="dk1"/>
-    </dgm:txFillClrLst>
-    <dgm:txEffectClrLst/>
-  </dgm:styleLbl>
-  <dgm:styleLbl name="trAlignAcc1">
-    <dgm:fillClrLst meth="repeat">
-      <a:schemeClr val="lt1">
-        <a:alpha val="40000"/>
-      </a:schemeClr>
-    </dgm:fillClrLst>
-    <dgm:linClrLst meth="repeat">
-      <a:schemeClr val="accent1"/>
-    </dgm:linClrLst>
-    <dgm:effectClrLst/>
-    <dgm:txLinClrLst/>
-    <dgm:txFillClrLst meth="repeat">
-      <a:schemeClr val="dk1"/>
-    </dgm:txFillClrLst>
-    <dgm:txEffectClrLst/>
-  </dgm:styleLbl>
-  <dgm:styleLbl name="bgAcc1">
-    <dgm:fillClrLst meth="repeat">
-      <a:schemeClr val="lt1">
-        <a:alpha val="90000"/>
-      </a:schemeClr>
-    </dgm:fillClrLst>
-    <dgm:linClrLst meth="repeat">
-      <a:schemeClr val="accent2"/>
-      <a:schemeClr val="accent3"/>
-      <a:schemeClr val="accent4"/>
-      <a:schemeClr val="accent5"/>
-      <a:schemeClr val="accent6"/>
-    </dgm:linClrLst>
-    <dgm:effectClrLst/>
-    <dgm:txLinClrLst/>
-    <dgm:txFillClrLst meth="repeat">
-      <a:schemeClr val="dk1"/>
-    </dgm:txFillClrLst>
-    <dgm:txEffectClrLst/>
-  </dgm:styleLbl>
-  <dgm:styleLbl name="solidFgAcc1">
-    <dgm:fillClrLst meth="repeat">
-      <a:schemeClr val="lt1"/>
-    </dgm:fillClrLst>
-    <dgm:linClrLst meth="repeat">
-      <a:schemeClr val="accent2"/>
-      <a:schemeClr val="accent3"/>
-      <a:schemeClr val="accent4"/>
-      <a:schemeClr val="accent5"/>
-      <a:schemeClr val="accent6"/>
-    </dgm:linClrLst>
-    <dgm:effectClrLst/>
-    <dgm:txLinClrLst/>
-    <dgm:txFillClrLst meth="repeat">
-      <a:schemeClr val="dk1"/>
-    </dgm:txFillClrLst>
-    <dgm:txEffectClrLst/>
-  </dgm:styleLbl>
-  <dgm:styleLbl name="solidAlignAcc1">
-    <dgm:fillClrLst meth="repeat">
-      <a:schemeClr val="lt1"/>
-    </dgm:fillClrLst>
-    <dgm:linClrLst meth="repeat">
-      <a:schemeClr val="accent2"/>
-      <a:schemeClr val="accent3"/>
-      <a:schemeClr val="accent4"/>
-      <a:schemeClr val="accent5"/>
-      <a:schemeClr val="accent6"/>
-    </dgm:linClrLst>
-    <dgm:effectClrLst/>
-    <dgm:txLinClrLst/>
-    <dgm:txFillClrLst meth="repeat">
-      <a:schemeClr val="dk1"/>
-    </dgm:txFillClrLst>
-    <dgm:txEffectClrLst/>
-  </dgm:styleLbl>
-  <dgm:styleLbl name="solidBgAcc1">
-    <dgm:fillClrLst meth="repeat">
-      <a:schemeClr val="lt1"/>
-    </dgm:fillClrLst>
-    <dgm:linClrLst meth="repeat">
-      <a:schemeClr val="accent2"/>
-      <a:schemeClr val="accent3"/>
-      <a:schemeClr val="accent4"/>
-      <a:schemeClr val="accent5"/>
-      <a:schemeClr val="accent6"/>
-    </dgm:linClrLst>
-    <dgm:effectClrLst/>
-    <dgm:txLinClrLst/>
-    <dgm:txFillClrLst meth="repeat">
-      <a:schemeClr val="dk1"/>
-    </dgm:txFillClrLst>
-    <dgm:txEffectClrLst/>
-  </dgm:styleLbl>
-  <dgm:styleLbl name="fgAccFollowNode1">
-    <dgm:fillClrLst meth="repeat">
-      <a:schemeClr val="accent2">
-        <a:tint val="40000"/>
-        <a:alpha val="90000"/>
-      </a:schemeClr>
-      <a:schemeClr val="accent3">
-        <a:tint val="40000"/>
-        <a:alpha val="90000"/>
-      </a:schemeClr>
-      <a:schemeClr val="accent4">
-        <a:tint val="40000"/>
-        <a:alpha val="90000"/>
-      </a:schemeClr>
-      <a:schemeClr val="accent5">
-        <a:tint val="40000"/>
-        <a:alpha val="90000"/>
-      </a:schemeClr>
-      <a:schemeClr val="accent6">
-        <a:tint val="40000"/>
-        <a:alpha val="90000"/>
-      </a:schemeClr>
-    </dgm:fillClrLst>
-    <dgm:linClrLst meth="repeat">
-      <a:schemeClr val="accent2">
-        <a:tint val="40000"/>
-        <a:alpha val="90000"/>
-      </a:schemeClr>
-      <a:schemeClr val="accent3">
-        <a:tint val="40000"/>
-        <a:alpha val="90000"/>
-      </a:schemeClr>
-      <a:schemeClr val="accent4">
-        <a:tint val="40000"/>
-        <a:alpha val="90000"/>
-      </a:schemeClr>
-      <a:schemeClr val="accent5">
-        <a:tint val="40000"/>
-        <a:alpha val="90000"/>
-      </a:schemeClr>
-      <a:schemeClr val="accent6">
-        <a:tint val="40000"/>
-        <a:alpha val="90000"/>
-      </a:schemeClr>
-    </dgm:linClrLst>
-    <dgm:effectClrLst/>
-    <dgm:txLinClrLst/>
-    <dgm:txFillClrLst meth="repeat">
-      <a:schemeClr val="dk1"/>
-    </dgm:txFillClrLst>
-    <dgm:txEffectClrLst/>
-  </dgm:styleLbl>
-  <dgm:styleLbl name="alignAccFollowNode1">
-    <dgm:fillClrLst meth="repeat">
-      <a:schemeClr val="accent2">
-        <a:tint val="40000"/>
-        <a:alpha val="90000"/>
-      </a:schemeClr>
-      <a:schemeClr val="accent3">
-        <a:tint val="40000"/>
-        <a:alpha val="90000"/>
-      </a:schemeClr>
-      <a:schemeClr val="accent4">
-        <a:tint val="40000"/>
-        <a:alpha val="90000"/>
-      </a:schemeClr>
-      <a:schemeClr val="accent5">
-        <a:tint val="40000"/>
-        <a:alpha val="90000"/>
-      </a:schemeClr>
-      <a:schemeClr val="accent6">
-        <a:tint val="40000"/>
-        <a:alpha val="90000"/>
-      </a:schemeClr>
-    </dgm:fillClrLst>
-    <dgm:linClrLst meth="repeat">
-      <a:schemeClr val="accent2">
-        <a:tint val="40000"/>
-        <a:alpha val="90000"/>
-      </a:schemeClr>
-      <a:schemeClr val="accent3">
-        <a:tint val="40000"/>
-        <a:alpha val="90000"/>
-      </a:schemeClr>
-      <a:schemeClr val="accent4">
-        <a:tint val="40000"/>
-        <a:alpha val="90000"/>
-      </a:schemeClr>
-      <a:schemeClr val="accent5">
-        <a:tint val="40000"/>
-        <a:alpha val="90000"/>
-      </a:schemeClr>
-      <a:schemeClr val="accent6">
-        <a:tint val="40000"/>
-        <a:alpha val="90000"/>
-      </a:schemeClr>
-    </dgm:linClrLst>
-    <dgm:effectClrLst/>
-    <dgm:txLinClrLst/>
-    <dgm:txFillClrLst meth="repeat">
-      <a:schemeClr val="dk1"/>
-    </dgm:txFillClrLst>
-    <dgm:txEffectClrLst/>
-  </dgm:styleLbl>
-  <dgm:styleLbl name="bgAccFollowNode1">
-    <dgm:fillClrLst meth="repeat">
-      <a:schemeClr val="accent2">
-        <a:tint val="40000"/>
-        <a:alpha val="90000"/>
-      </a:schemeClr>
-      <a:schemeClr val="accent3">
-        <a:tint val="40000"/>
-        <a:alpha val="90000"/>
-      </a:schemeClr>
-      <a:schemeClr val="accent4">
-        <a:tint val="40000"/>
-        <a:alpha val="90000"/>
-      </a:schemeClr>
-      <a:schemeClr val="accent5">
-        <a:tint val="40000"/>
-        <a:alpha val="90000"/>
-      </a:schemeClr>
-      <a:schemeClr val="accent6">
-        <a:tint val="40000"/>
-        <a:alpha val="90000"/>
-      </a:schemeClr>
-    </dgm:fillClrLst>
-    <dgm:linClrLst meth="repeat">
-      <a:schemeClr val="accent2">
-        <a:tint val="40000"/>
-        <a:alpha val="90000"/>
-      </a:schemeClr>
-      <a:schemeClr val="accent3">
-        <a:tint val="40000"/>
-        <a:alpha val="90000"/>
-      </a:schemeClr>
-      <a:schemeClr val="accent4">
-        <a:tint val="40000"/>
-        <a:alpha val="90000"/>
-      </a:schemeClr>
-      <a:schemeClr val="accent5">
-        <a:tint val="40000"/>
-        <a:alpha val="90000"/>
-      </a:schemeClr>
-      <a:schemeClr val="accent6">
-        <a:tint val="40000"/>
-        <a:alpha val="90000"/>
-      </a:schemeClr>
-    </dgm:linClrLst>
-    <dgm:effectClrLst/>
-    <dgm:txLinClrLst/>
-    <dgm:txFillClrLst meth="repeat">
-      <a:schemeClr val="dk1"/>
-    </dgm:txFillClrLst>
-    <dgm:txEffectClrLst/>
-  </dgm:styleLbl>
-  <dgm:styleLbl name="fgAcc0">
-    <dgm:fillClrLst meth="repeat">
-      <a:schemeClr val="lt1">
-        <a:alpha val="90000"/>
-      </a:schemeClr>
-    </dgm:fillClrLst>
-    <dgm:linClrLst>
-      <a:schemeClr val="accent1"/>
-    </dgm:linClrLst>
-    <dgm:effectClrLst/>
-    <dgm:txLinClrLst/>
-    <dgm:txFillClrLst meth="repeat">
-      <a:schemeClr val="dk1"/>
-    </dgm:txFillClrLst>
-    <dgm:txEffectClrLst/>
-  </dgm:styleLbl>
-  <dgm:styleLbl name="fgAcc2">
-    <dgm:fillClrLst meth="repeat">
-      <a:schemeClr val="lt1">
-        <a:alpha val="90000"/>
-      </a:schemeClr>
-    </dgm:fillClrLst>
-    <dgm:linClrLst>
-      <a:schemeClr val="accent2"/>
-    </dgm:linClrLst>
-    <dgm:effectClrLst/>
-    <dgm:txLinClrLst/>
-    <dgm:txFillClrLst meth="repeat">
-      <a:schemeClr val="dk1"/>
-    </dgm:txFillClrLst>
-    <dgm:txEffectClrLst/>
-  </dgm:styleLbl>
-  <dgm:styleLbl name="fgAcc3">
-    <dgm:fillClrLst meth="repeat">
-      <a:schemeClr val="lt1">
-        <a:alpha val="90000"/>
-      </a:schemeClr>
-    </dgm:fillClrLst>
-    <dgm:linClrLst>
-      <a:schemeClr val="accent3"/>
-    </dgm:linClrLst>
-    <dgm:effectClrLst/>
-    <dgm:txLinClrLst/>
-    <dgm:txFillClrLst meth="repeat">
-      <a:schemeClr val="dk1"/>
-    </dgm:txFillClrLst>
-    <dgm:txEffectClrLst/>
-  </dgm:styleLbl>
-  <dgm:styleLbl name="fgAcc4">
-    <dgm:fillClrLst meth="repeat">
-      <a:schemeClr val="lt1">
-        <a:alpha val="90000"/>
-      </a:schemeClr>
-    </dgm:fillClrLst>
-    <dgm:linClrLst>
-      <a:schemeClr val="accent4"/>
-    </dgm:linClrLst>
-    <dgm:effectClrLst/>
-    <dgm:txLinClrLst/>
-    <dgm:txFillClrLst meth="repeat">
-      <a:schemeClr val="dk1"/>
-    </dgm:txFillClrLst>
-    <dgm:txEffectClrLst/>
-  </dgm:styleLbl>
-  <dgm:styleLbl name="bgShp">
-    <dgm:fillClrLst meth="repeat">
-      <a:schemeClr val="accent2">
         <a:tint val="40000"/>
       </a:schemeClr>
     </dgm:fillClrLst>
@@ -3695,10 +3280,261 @@
     </dgm:txFillClrLst>
     <dgm:txEffectClrLst/>
   </dgm:styleLbl>
+  <dgm:styleLbl name="conFgAcc1">
+    <dgm:fillClrLst meth="repeat">
+      <a:schemeClr val="dk1">
+        <a:alpha val="90000"/>
+        <a:tint val="40000"/>
+      </a:schemeClr>
+    </dgm:fillClrLst>
+    <dgm:linClrLst meth="repeat">
+      <a:schemeClr val="dk1"/>
+    </dgm:linClrLst>
+    <dgm:effectClrLst/>
+    <dgm:txLinClrLst/>
+    <dgm:txFillClrLst meth="repeat">
+      <a:schemeClr val="dk1"/>
+    </dgm:txFillClrLst>
+    <dgm:txEffectClrLst/>
+  </dgm:styleLbl>
+  <dgm:styleLbl name="alignAcc1">
+    <dgm:fillClrLst meth="repeat">
+      <a:schemeClr val="dk1">
+        <a:alpha val="90000"/>
+        <a:tint val="40000"/>
+      </a:schemeClr>
+    </dgm:fillClrLst>
+    <dgm:linClrLst meth="repeat">
+      <a:schemeClr val="dk1"/>
+    </dgm:linClrLst>
+    <dgm:effectClrLst/>
+    <dgm:txLinClrLst/>
+    <dgm:txFillClrLst meth="repeat">
+      <a:schemeClr val="dk1"/>
+    </dgm:txFillClrLst>
+    <dgm:txEffectClrLst/>
+  </dgm:styleLbl>
+  <dgm:styleLbl name="trAlignAcc1">
+    <dgm:fillClrLst meth="repeat">
+      <a:schemeClr val="dk1">
+        <a:alpha val="40000"/>
+        <a:tint val="40000"/>
+      </a:schemeClr>
+    </dgm:fillClrLst>
+    <dgm:linClrLst meth="repeat">
+      <a:schemeClr val="dk1"/>
+    </dgm:linClrLst>
+    <dgm:effectClrLst/>
+    <dgm:txLinClrLst/>
+    <dgm:txFillClrLst meth="repeat">
+      <a:schemeClr val="dk1"/>
+    </dgm:txFillClrLst>
+    <dgm:txEffectClrLst/>
+  </dgm:styleLbl>
+  <dgm:styleLbl name="bgAcc1">
+    <dgm:fillClrLst meth="repeat">
+      <a:schemeClr val="dk1">
+        <a:alpha val="90000"/>
+        <a:tint val="40000"/>
+      </a:schemeClr>
+    </dgm:fillClrLst>
+    <dgm:linClrLst meth="repeat">
+      <a:schemeClr val="dk1"/>
+    </dgm:linClrLst>
+    <dgm:effectClrLst/>
+    <dgm:txLinClrLst/>
+    <dgm:txFillClrLst meth="repeat">
+      <a:schemeClr val="dk1"/>
+    </dgm:txFillClrLst>
+    <dgm:txEffectClrLst/>
+  </dgm:styleLbl>
+  <dgm:styleLbl name="solidFgAcc1">
+    <dgm:fillClrLst meth="repeat">
+      <a:schemeClr val="lt1"/>
+    </dgm:fillClrLst>
+    <dgm:linClrLst meth="repeat">
+      <a:schemeClr val="dk1"/>
+    </dgm:linClrLst>
+    <dgm:effectClrLst/>
+    <dgm:txLinClrLst/>
+    <dgm:txFillClrLst meth="repeat">
+      <a:schemeClr val="dk1"/>
+    </dgm:txFillClrLst>
+    <dgm:txEffectClrLst/>
+  </dgm:styleLbl>
+  <dgm:styleLbl name="solidAlignAcc1">
+    <dgm:fillClrLst meth="repeat">
+      <a:schemeClr val="lt1"/>
+    </dgm:fillClrLst>
+    <dgm:linClrLst meth="repeat">
+      <a:schemeClr val="dk1"/>
+    </dgm:linClrLst>
+    <dgm:effectClrLst/>
+    <dgm:txLinClrLst/>
+    <dgm:txFillClrLst meth="repeat">
+      <a:schemeClr val="dk1"/>
+    </dgm:txFillClrLst>
+    <dgm:txEffectClrLst/>
+  </dgm:styleLbl>
+  <dgm:styleLbl name="solidBgAcc1">
+    <dgm:fillClrLst meth="repeat">
+      <a:schemeClr val="lt1"/>
+    </dgm:fillClrLst>
+    <dgm:linClrLst meth="repeat">
+      <a:schemeClr val="dk1"/>
+    </dgm:linClrLst>
+    <dgm:effectClrLst/>
+    <dgm:txLinClrLst/>
+    <dgm:txFillClrLst meth="repeat">
+      <a:schemeClr val="dk1"/>
+    </dgm:txFillClrLst>
+    <dgm:txEffectClrLst/>
+  </dgm:styleLbl>
+  <dgm:styleLbl name="fgAccFollowNode1">
+    <dgm:fillClrLst meth="repeat">
+      <a:schemeClr val="lt1">
+        <a:alpha val="90000"/>
+        <a:tint val="40000"/>
+      </a:schemeClr>
+    </dgm:fillClrLst>
+    <dgm:linClrLst meth="repeat">
+      <a:schemeClr val="dk1">
+        <a:alpha val="90000"/>
+      </a:schemeClr>
+    </dgm:linClrLst>
+    <dgm:effectClrLst/>
+    <dgm:txLinClrLst/>
+    <dgm:txFillClrLst meth="repeat">
+      <a:schemeClr val="dk1"/>
+    </dgm:txFillClrLst>
+    <dgm:txEffectClrLst/>
+  </dgm:styleLbl>
+  <dgm:styleLbl name="alignAccFollowNode1">
+    <dgm:fillClrLst meth="repeat">
+      <a:schemeClr val="lt1">
+        <a:alpha val="90000"/>
+        <a:tint val="40000"/>
+      </a:schemeClr>
+    </dgm:fillClrLst>
+    <dgm:linClrLst meth="repeat">
+      <a:schemeClr val="dk1">
+        <a:alpha val="90000"/>
+      </a:schemeClr>
+    </dgm:linClrLst>
+    <dgm:effectClrLst/>
+    <dgm:txLinClrLst/>
+    <dgm:txFillClrLst meth="repeat">
+      <a:schemeClr val="dk1"/>
+    </dgm:txFillClrLst>
+    <dgm:txEffectClrLst/>
+  </dgm:styleLbl>
+  <dgm:styleLbl name="bgAccFollowNode1">
+    <dgm:fillClrLst meth="repeat">
+      <a:schemeClr val="lt1">
+        <a:alpha val="90000"/>
+        <a:tint val="40000"/>
+      </a:schemeClr>
+    </dgm:fillClrLst>
+    <dgm:linClrLst meth="repeat">
+      <a:schemeClr val="dk1">
+        <a:alpha val="90000"/>
+      </a:schemeClr>
+    </dgm:linClrLst>
+    <dgm:effectClrLst/>
+    <dgm:txLinClrLst/>
+    <dgm:txFillClrLst meth="repeat">
+      <a:schemeClr val="dk1"/>
+    </dgm:txFillClrLst>
+    <dgm:txEffectClrLst/>
+  </dgm:styleLbl>
+  <dgm:styleLbl name="fgAcc0">
+    <dgm:fillClrLst meth="repeat">
+      <a:schemeClr val="dk1">
+        <a:alpha val="90000"/>
+        <a:tint val="40000"/>
+      </a:schemeClr>
+    </dgm:fillClrLst>
+    <dgm:linClrLst meth="repeat">
+      <a:schemeClr val="dk1"/>
+    </dgm:linClrLst>
+    <dgm:effectClrLst/>
+    <dgm:txLinClrLst/>
+    <dgm:txFillClrLst meth="repeat">
+      <a:schemeClr val="dk1"/>
+    </dgm:txFillClrLst>
+    <dgm:txEffectClrLst/>
+  </dgm:styleLbl>
+  <dgm:styleLbl name="fgAcc2">
+    <dgm:fillClrLst meth="repeat">
+      <a:schemeClr val="dk1">
+        <a:alpha val="90000"/>
+        <a:tint val="40000"/>
+      </a:schemeClr>
+    </dgm:fillClrLst>
+    <dgm:linClrLst meth="repeat">
+      <a:schemeClr val="dk1"/>
+    </dgm:linClrLst>
+    <dgm:effectClrLst/>
+    <dgm:txLinClrLst/>
+    <dgm:txFillClrLst meth="repeat">
+      <a:schemeClr val="dk1"/>
+    </dgm:txFillClrLst>
+    <dgm:txEffectClrLst/>
+  </dgm:styleLbl>
+  <dgm:styleLbl name="fgAcc3">
+    <dgm:fillClrLst meth="repeat">
+      <a:schemeClr val="dk1">
+        <a:alpha val="90000"/>
+        <a:tint val="40000"/>
+      </a:schemeClr>
+    </dgm:fillClrLst>
+    <dgm:linClrLst meth="repeat">
+      <a:schemeClr val="dk1"/>
+    </dgm:linClrLst>
+    <dgm:effectClrLst/>
+    <dgm:txLinClrLst/>
+    <dgm:txFillClrLst meth="repeat">
+      <a:schemeClr val="dk1"/>
+    </dgm:txFillClrLst>
+    <dgm:txEffectClrLst/>
+  </dgm:styleLbl>
+  <dgm:styleLbl name="fgAcc4">
+    <dgm:fillClrLst meth="repeat">
+      <a:schemeClr val="dk1">
+        <a:alpha val="90000"/>
+        <a:tint val="40000"/>
+      </a:schemeClr>
+    </dgm:fillClrLst>
+    <dgm:linClrLst meth="repeat">
+      <a:schemeClr val="dk1"/>
+    </dgm:linClrLst>
+    <dgm:effectClrLst/>
+    <dgm:txLinClrLst/>
+    <dgm:txFillClrLst meth="repeat">
+      <a:schemeClr val="dk1"/>
+    </dgm:txFillClrLst>
+    <dgm:txEffectClrLst/>
+  </dgm:styleLbl>
+  <dgm:styleLbl name="bgShp">
+    <dgm:fillClrLst meth="repeat">
+      <a:schemeClr val="dk1">
+        <a:tint val="40000"/>
+      </a:schemeClr>
+    </dgm:fillClrLst>
+    <dgm:linClrLst meth="repeat">
+      <a:schemeClr val="dk1"/>
+    </dgm:linClrLst>
+    <dgm:effectClrLst/>
+    <dgm:txLinClrLst/>
+    <dgm:txFillClrLst meth="repeat">
+      <a:schemeClr val="dk1"/>
+    </dgm:txFillClrLst>
+    <dgm:txEffectClrLst/>
+  </dgm:styleLbl>
   <dgm:styleLbl name="dkBgShp">
     <dgm:fillClrLst meth="repeat">
-      <a:schemeClr val="accent2">
-        <a:shade val="90000"/>
+      <a:schemeClr val="dk1">
+        <a:shade val="80000"/>
       </a:schemeClr>
     </dgm:fillClrLst>
     <dgm:linClrLst meth="repeat">
@@ -3713,13 +3549,13 @@
   </dgm:styleLbl>
   <dgm:styleLbl name="trBgShp">
     <dgm:fillClrLst meth="repeat">
-      <a:schemeClr val="accent1">
+      <a:schemeClr val="dk1">
         <a:tint val="50000"/>
         <a:alpha val="40000"/>
       </a:schemeClr>
     </dgm:fillClrLst>
     <dgm:linClrLst meth="repeat">
-      <a:schemeClr val="accent2"/>
+      <a:schemeClr val="dk1"/>
     </dgm:linClrLst>
     <dgm:effectClrLst/>
     <dgm:txLinClrLst/>
@@ -3730,8 +3566,8 @@
   </dgm:styleLbl>
   <dgm:styleLbl name="fgShp">
     <dgm:fillClrLst meth="repeat">
-      <a:schemeClr val="accent2">
-        <a:tint val="40000"/>
+      <a:schemeClr val="dk1">
+        <a:tint val="60000"/>
       </a:schemeClr>
     </dgm:fillClrLst>
     <dgm:linClrLst meth="repeat">
@@ -4161,7 +3997,7 @@
 <dgm:dataModel xmlns:dgm="http://schemas.openxmlformats.org/drawingml/2006/diagram" xmlns:a="http://schemas.openxmlformats.org/drawingml/2006/main">
   <dgm:ptLst>
     <dgm:pt modelId="{D715E8FA-7DE7-0B43-8AB4-52EC8682031D}" type="doc">
-      <dgm:prSet loTypeId="urn:microsoft.com/office/officeart/2005/8/layout/venn2" loCatId="" qsTypeId="urn:microsoft.com/office/officeart/2005/8/quickstyle/simple1" qsCatId="simple" csTypeId="urn:microsoft.com/office/officeart/2005/8/colors/accent1_2" csCatId="accent1" phldr="1"/>
+      <dgm:prSet loTypeId="urn:microsoft.com/office/officeart/2005/8/layout/venn2" loCatId="" qsTypeId="urn:microsoft.com/office/officeart/2005/8/quickstyle/simple1" qsCatId="simple" csTypeId="urn:microsoft.com/office/officeart/2005/8/colors/accent0_1" csCatId="mainScheme" phldr="1"/>
       <dgm:spPr/>
     </dgm:pt>
     <dgm:pt modelId="{F1C6FD45-71DB-254E-B519-497D7FB01B4D}">
@@ -4365,7 +4201,7 @@
 <dgm:dataModel xmlns:dgm="http://schemas.openxmlformats.org/drawingml/2006/diagram" xmlns:a="http://schemas.openxmlformats.org/drawingml/2006/main">
   <dgm:ptLst>
     <dgm:pt modelId="{470A6B99-0B1B-48BA-9009-968452FE696B}" type="doc">
-      <dgm:prSet loTypeId="urn:microsoft.com/office/officeart/2008/layout/VerticalCurvedList" loCatId="list" qsTypeId="urn:microsoft.com/office/officeart/2005/8/quickstyle/simple1" qsCatId="simple" csTypeId="urn:microsoft.com/office/officeart/2005/8/colors/colorful1" csCatId="colorful" phldr="1"/>
+      <dgm:prSet loTypeId="urn:microsoft.com/office/officeart/2008/layout/VerticalCurvedList" loCatId="list" qsTypeId="urn:microsoft.com/office/officeart/2005/8/quickstyle/simple1" qsCatId="simple" csTypeId="urn:microsoft.com/office/officeart/2005/8/colors/accent0_1" csCatId="mainScheme" phldr="1"/>
       <dgm:spPr/>
       <dgm:t>
         <a:bodyPr/>
@@ -4833,7 +4669,7 @@
 <dgm:dataModel xmlns:dgm="http://schemas.openxmlformats.org/drawingml/2006/diagram" xmlns:a="http://schemas.openxmlformats.org/drawingml/2006/main">
   <dgm:ptLst>
     <dgm:pt modelId="{03201F67-89F6-4FD8-908A-4BF5EE1C5D7C}" type="doc">
-      <dgm:prSet loTypeId="urn:microsoft.com/office/officeart/2005/8/layout/vList2" loCatId="list" qsTypeId="urn:microsoft.com/office/officeart/2005/8/quickstyle/simple1" qsCatId="simple" csTypeId="urn:microsoft.com/office/officeart/2005/8/colors/colorful1" csCatId="colorful" phldr="1"/>
+      <dgm:prSet loTypeId="urn:microsoft.com/office/officeart/2005/8/layout/vList2" loCatId="list" qsTypeId="urn:microsoft.com/office/officeart/2005/8/quickstyle/simple1" qsCatId="simple" csTypeId="urn:microsoft.com/office/officeart/2005/8/colors/accent0_1" csCatId="mainScheme" phldr="1"/>
       <dgm:spPr/>
       <dgm:t>
         <a:bodyPr/>
@@ -5859,7 +5695,7 @@
           <a:avLst/>
         </a:prstGeom>
         <a:solidFill>
-          <a:schemeClr val="accent1">
+          <a:schemeClr val="lt1">
             <a:hueOff val="0"/>
             <a:satOff val="0"/>
             <a:lumOff val="0"/>
@@ -5868,7 +5704,8 @@
         </a:solidFill>
         <a:ln w="12700" cap="flat" cmpd="sng" algn="ctr">
           <a:solidFill>
-            <a:schemeClr val="lt1">
+            <a:schemeClr val="dk1">
+              <a:shade val="80000"/>
               <a:hueOff val="0"/>
               <a:satOff val="0"/>
               <a:lumOff val="0"/>
@@ -5937,7 +5774,7 @@
           <a:avLst/>
         </a:prstGeom>
         <a:solidFill>
-          <a:schemeClr val="accent1">
+          <a:schemeClr val="lt1">
             <a:hueOff val="0"/>
             <a:satOff val="0"/>
             <a:lumOff val="0"/>
@@ -5946,7 +5783,8 @@
         </a:solidFill>
         <a:ln w="12700" cap="flat" cmpd="sng" algn="ctr">
           <a:solidFill>
-            <a:schemeClr val="lt1">
+            <a:schemeClr val="dk1">
+              <a:shade val="80000"/>
               <a:hueOff val="0"/>
               <a:satOff val="0"/>
               <a:lumOff val="0"/>
@@ -6015,7 +5853,7 @@
           <a:avLst/>
         </a:prstGeom>
         <a:solidFill>
-          <a:schemeClr val="accent1">
+          <a:schemeClr val="lt1">
             <a:hueOff val="0"/>
             <a:satOff val="0"/>
             <a:lumOff val="0"/>
@@ -6024,7 +5862,8 @@
         </a:solidFill>
         <a:ln w="12700" cap="flat" cmpd="sng" algn="ctr">
           <a:solidFill>
-            <a:schemeClr val="lt1">
+            <a:schemeClr val="dk1">
+              <a:shade val="80000"/>
               <a:hueOff val="0"/>
               <a:satOff val="0"/>
               <a:lumOff val="0"/>
@@ -6111,7 +5950,8 @@
         <a:noFill/>
         <a:ln w="12700" cap="flat" cmpd="sng" algn="ctr">
           <a:solidFill>
-            <a:schemeClr val="accent2">
+            <a:schemeClr val="dk1">
+              <a:shade val="60000"/>
               <a:hueOff val="0"/>
               <a:satOff val="0"/>
               <a:lumOff val="0"/>
@@ -6150,7 +5990,7 @@
           <a:avLst/>
         </a:prstGeom>
         <a:solidFill>
-          <a:schemeClr val="accent2">
+          <a:schemeClr val="lt1">
             <a:hueOff val="0"/>
             <a:satOff val="0"/>
             <a:lumOff val="0"/>
@@ -6159,7 +5999,8 @@
         </a:solidFill>
         <a:ln w="12700" cap="flat" cmpd="sng" algn="ctr">
           <a:solidFill>
-            <a:schemeClr val="lt1">
+            <a:schemeClr val="dk1">
+              <a:shade val="80000"/>
               <a:hueOff val="0"/>
               <a:satOff val="0"/>
               <a:lumOff val="0"/>
@@ -6237,7 +6078,7 @@
         </a:solidFill>
         <a:ln w="12700" cap="flat" cmpd="sng" algn="ctr">
           <a:solidFill>
-            <a:schemeClr val="accent2">
+            <a:schemeClr val="dk1">
               <a:hueOff val="0"/>
               <a:satOff val="0"/>
               <a:lumOff val="0"/>
@@ -6276,7 +6117,7 @@
           <a:avLst/>
         </a:prstGeom>
         <a:solidFill>
-          <a:schemeClr val="accent3">
+          <a:schemeClr val="lt1">
             <a:hueOff val="0"/>
             <a:satOff val="0"/>
             <a:lumOff val="0"/>
@@ -6285,7 +6126,8 @@
         </a:solidFill>
         <a:ln w="12700" cap="flat" cmpd="sng" algn="ctr">
           <a:solidFill>
-            <a:schemeClr val="lt1">
+            <a:schemeClr val="dk1">
+              <a:shade val="80000"/>
               <a:hueOff val="0"/>
               <a:satOff val="0"/>
               <a:lumOff val="0"/>
@@ -6363,7 +6205,7 @@
         </a:solidFill>
         <a:ln w="12700" cap="flat" cmpd="sng" algn="ctr">
           <a:solidFill>
-            <a:schemeClr val="accent3">
+            <a:schemeClr val="dk1">
               <a:hueOff val="0"/>
               <a:satOff val="0"/>
               <a:lumOff val="0"/>
@@ -6402,7 +6244,7 @@
           <a:avLst/>
         </a:prstGeom>
         <a:solidFill>
-          <a:schemeClr val="accent4">
+          <a:schemeClr val="lt1">
             <a:hueOff val="0"/>
             <a:satOff val="0"/>
             <a:lumOff val="0"/>
@@ -6411,7 +6253,8 @@
         </a:solidFill>
         <a:ln w="12700" cap="flat" cmpd="sng" algn="ctr">
           <a:solidFill>
-            <a:schemeClr val="lt1">
+            <a:schemeClr val="dk1">
+              <a:shade val="80000"/>
               <a:hueOff val="0"/>
               <a:satOff val="0"/>
               <a:lumOff val="0"/>
@@ -6489,7 +6332,7 @@
         </a:solidFill>
         <a:ln w="12700" cap="flat" cmpd="sng" algn="ctr">
           <a:solidFill>
-            <a:schemeClr val="accent4">
+            <a:schemeClr val="dk1">
               <a:hueOff val="0"/>
               <a:satOff val="0"/>
               <a:lumOff val="0"/>
@@ -6528,7 +6371,7 @@
           <a:avLst/>
         </a:prstGeom>
         <a:solidFill>
-          <a:schemeClr val="accent5">
+          <a:schemeClr val="lt1">
             <a:hueOff val="0"/>
             <a:satOff val="0"/>
             <a:lumOff val="0"/>
@@ -6537,7 +6380,8 @@
         </a:solidFill>
         <a:ln w="12700" cap="flat" cmpd="sng" algn="ctr">
           <a:solidFill>
-            <a:schemeClr val="lt1">
+            <a:schemeClr val="dk1">
+              <a:shade val="80000"/>
               <a:hueOff val="0"/>
               <a:satOff val="0"/>
               <a:lumOff val="0"/>
@@ -6615,7 +6459,7 @@
         </a:solidFill>
         <a:ln w="12700" cap="flat" cmpd="sng" algn="ctr">
           <a:solidFill>
-            <a:schemeClr val="accent5">
+            <a:schemeClr val="dk1">
               <a:hueOff val="0"/>
               <a:satOff val="0"/>
               <a:lumOff val="0"/>
@@ -6654,7 +6498,7 @@
           <a:avLst/>
         </a:prstGeom>
         <a:solidFill>
-          <a:schemeClr val="accent6">
+          <a:schemeClr val="lt1">
             <a:hueOff val="0"/>
             <a:satOff val="0"/>
             <a:lumOff val="0"/>
@@ -6663,7 +6507,8 @@
         </a:solidFill>
         <a:ln w="12700" cap="flat" cmpd="sng" algn="ctr">
           <a:solidFill>
-            <a:schemeClr val="lt1">
+            <a:schemeClr val="dk1">
+              <a:shade val="80000"/>
               <a:hueOff val="0"/>
               <a:satOff val="0"/>
               <a:lumOff val="0"/>
@@ -6741,7 +6586,7 @@
         </a:solidFill>
         <a:ln w="12700" cap="flat" cmpd="sng" algn="ctr">
           <a:solidFill>
-            <a:schemeClr val="accent6">
+            <a:schemeClr val="dk1">
               <a:hueOff val="0"/>
               <a:satOff val="0"/>
               <a:lumOff val="0"/>
@@ -6780,7 +6625,7 @@
           <a:avLst/>
         </a:prstGeom>
         <a:solidFill>
-          <a:schemeClr val="accent2">
+          <a:schemeClr val="lt1">
             <a:hueOff val="0"/>
             <a:satOff val="0"/>
             <a:lumOff val="0"/>
@@ -6789,7 +6634,8 @@
         </a:solidFill>
         <a:ln w="12700" cap="flat" cmpd="sng" algn="ctr">
           <a:solidFill>
-            <a:schemeClr val="lt1">
+            <a:schemeClr val="dk1">
+              <a:shade val="80000"/>
               <a:hueOff val="0"/>
               <a:satOff val="0"/>
               <a:lumOff val="0"/>
@@ -6867,7 +6713,7 @@
         </a:solidFill>
         <a:ln w="12700" cap="flat" cmpd="sng" algn="ctr">
           <a:solidFill>
-            <a:schemeClr val="accent2">
+            <a:schemeClr val="dk1">
               <a:hueOff val="0"/>
               <a:satOff val="0"/>
               <a:lumOff val="0"/>
@@ -6906,7 +6752,7 @@
           <a:avLst/>
         </a:prstGeom>
         <a:solidFill>
-          <a:schemeClr val="accent3">
+          <a:schemeClr val="lt1">
             <a:hueOff val="0"/>
             <a:satOff val="0"/>
             <a:lumOff val="0"/>
@@ -6915,7 +6761,8 @@
         </a:solidFill>
         <a:ln w="12700" cap="flat" cmpd="sng" algn="ctr">
           <a:solidFill>
-            <a:schemeClr val="lt1">
+            <a:schemeClr val="dk1">
+              <a:shade val="80000"/>
               <a:hueOff val="0"/>
               <a:satOff val="0"/>
               <a:lumOff val="0"/>
@@ -6993,7 +6840,7 @@
         </a:solidFill>
         <a:ln w="12700" cap="flat" cmpd="sng" algn="ctr">
           <a:solidFill>
-            <a:schemeClr val="accent3">
+            <a:schemeClr val="dk1">
               <a:hueOff val="0"/>
               <a:satOff val="0"/>
               <a:lumOff val="0"/>
@@ -7044,7 +6891,7 @@
           <a:avLst/>
         </a:prstGeom>
         <a:solidFill>
-          <a:schemeClr val="accent2">
+          <a:schemeClr val="lt1">
             <a:hueOff val="0"/>
             <a:satOff val="0"/>
             <a:lumOff val="0"/>
@@ -7053,7 +6900,8 @@
         </a:solidFill>
         <a:ln w="12700" cap="flat" cmpd="sng" algn="ctr">
           <a:solidFill>
-            <a:schemeClr val="lt1">
+            <a:schemeClr val="dk1">
+              <a:shade val="80000"/>
               <a:hueOff val="0"/>
               <a:satOff val="0"/>
               <a:lumOff val="0"/>
@@ -7182,7 +7030,7 @@
           <a:avLst/>
         </a:prstGeom>
         <a:solidFill>
-          <a:schemeClr val="accent3">
+          <a:schemeClr val="lt1">
             <a:hueOff val="0"/>
             <a:satOff val="0"/>
             <a:lumOff val="0"/>
@@ -7191,7 +7039,8 @@
         </a:solidFill>
         <a:ln w="12700" cap="flat" cmpd="sng" algn="ctr">
           <a:solidFill>
-            <a:schemeClr val="lt1">
+            <a:schemeClr val="dk1">
+              <a:shade val="80000"/>
               <a:hueOff val="0"/>
               <a:satOff val="0"/>
               <a:lumOff val="0"/>
@@ -7328,7 +7177,7 @@
           <a:avLst/>
         </a:prstGeom>
         <a:solidFill>
-          <a:schemeClr val="accent4">
+          <a:schemeClr val="lt1">
             <a:hueOff val="0"/>
             <a:satOff val="0"/>
             <a:lumOff val="0"/>
@@ -7337,7 +7186,8 @@
         </a:solidFill>
         <a:ln w="12700" cap="flat" cmpd="sng" algn="ctr">
           <a:solidFill>
-            <a:schemeClr val="lt1">
+            <a:schemeClr val="dk1">
+              <a:shade val="80000"/>
               <a:hueOff val="0"/>
               <a:satOff val="0"/>
               <a:lumOff val="0"/>
@@ -14247,7 +14097,7 @@
           <a:p>
             <a:fld id="{04AB8F35-7CDB-4116-8A4B-3F4DF38FCB2A}" type="datetimeFigureOut">
               <a:rPr lang="zh-CN" altLang="en-US" smtClean="0"/>
-              <a:t>21/1/3</a:t>
+              <a:t>21/1/5</a:t>
             </a:fld>
             <a:endParaRPr lang="zh-CN" altLang="en-US"/>
           </a:p>
@@ -14745,7 +14595,7 @@
           <a:p>
             <a:fld id="{530820CF-B880-4189-942D-D702A7CBA730}" type="datetimeFigureOut">
               <a:rPr lang="zh-CN" altLang="en-US" smtClean="0"/>
-              <a:t>21/1/3</a:t>
+              <a:t>21/1/5</a:t>
             </a:fld>
             <a:endParaRPr lang="zh-CN" altLang="en-US"/>
           </a:p>
@@ -14943,7 +14793,7 @@
           <a:p>
             <a:fld id="{530820CF-B880-4189-942D-D702A7CBA730}" type="datetimeFigureOut">
               <a:rPr lang="zh-CN" altLang="en-US" smtClean="0"/>
-              <a:t>21/1/3</a:t>
+              <a:t>21/1/5</a:t>
             </a:fld>
             <a:endParaRPr lang="zh-CN" altLang="en-US"/>
           </a:p>
@@ -15151,7 +15001,7 @@
           <a:p>
             <a:fld id="{530820CF-B880-4189-942D-D702A7CBA730}" type="datetimeFigureOut">
               <a:rPr lang="zh-CN" altLang="en-US" smtClean="0"/>
-              <a:t>21/1/3</a:t>
+              <a:t>21/1/5</a:t>
             </a:fld>
             <a:endParaRPr lang="zh-CN" altLang="en-US"/>
           </a:p>
@@ -15349,7 +15199,7 @@
           <a:p>
             <a:fld id="{530820CF-B880-4189-942D-D702A7CBA730}" type="datetimeFigureOut">
               <a:rPr lang="zh-CN" altLang="en-US" smtClean="0"/>
-              <a:t>21/1/3</a:t>
+              <a:t>21/1/5</a:t>
             </a:fld>
             <a:endParaRPr lang="zh-CN" altLang="en-US"/>
           </a:p>
@@ -15624,7 +15474,7 @@
           <a:p>
             <a:fld id="{530820CF-B880-4189-942D-D702A7CBA730}" type="datetimeFigureOut">
               <a:rPr lang="zh-CN" altLang="en-US" smtClean="0"/>
-              <a:t>21/1/3</a:t>
+              <a:t>21/1/5</a:t>
             </a:fld>
             <a:endParaRPr lang="zh-CN" altLang="en-US"/>
           </a:p>
@@ -15889,7 +15739,7 @@
           <a:p>
             <a:fld id="{530820CF-B880-4189-942D-D702A7CBA730}" type="datetimeFigureOut">
               <a:rPr lang="zh-CN" altLang="en-US" smtClean="0"/>
-              <a:t>21/1/3</a:t>
+              <a:t>21/1/5</a:t>
             </a:fld>
             <a:endParaRPr lang="zh-CN" altLang="en-US"/>
           </a:p>
@@ -16301,7 +16151,7 @@
           <a:p>
             <a:fld id="{530820CF-B880-4189-942D-D702A7CBA730}" type="datetimeFigureOut">
               <a:rPr lang="zh-CN" altLang="en-US" smtClean="0"/>
-              <a:t>21/1/3</a:t>
+              <a:t>21/1/5</a:t>
             </a:fld>
             <a:endParaRPr lang="zh-CN" altLang="en-US"/>
           </a:p>
@@ -16442,7 +16292,7 @@
           <a:p>
             <a:fld id="{530820CF-B880-4189-942D-D702A7CBA730}" type="datetimeFigureOut">
               <a:rPr lang="zh-CN" altLang="en-US" smtClean="0"/>
-              <a:t>21/1/3</a:t>
+              <a:t>21/1/5</a:t>
             </a:fld>
             <a:endParaRPr lang="zh-CN" altLang="en-US"/>
           </a:p>
@@ -16555,7 +16405,7 @@
           <a:p>
             <a:fld id="{530820CF-B880-4189-942D-D702A7CBA730}" type="datetimeFigureOut">
               <a:rPr lang="zh-CN" altLang="en-US" smtClean="0"/>
-              <a:t>21/1/3</a:t>
+              <a:t>21/1/5</a:t>
             </a:fld>
             <a:endParaRPr lang="zh-CN" altLang="en-US"/>
           </a:p>
@@ -16866,7 +16716,7 @@
           <a:p>
             <a:fld id="{530820CF-B880-4189-942D-D702A7CBA730}" type="datetimeFigureOut">
               <a:rPr lang="zh-CN" altLang="en-US" smtClean="0"/>
-              <a:t>21/1/3</a:t>
+              <a:t>21/1/5</a:t>
             </a:fld>
             <a:endParaRPr lang="zh-CN" altLang="en-US"/>
           </a:p>
@@ -17154,7 +17004,7 @@
           <a:p>
             <a:fld id="{530820CF-B880-4189-942D-D702A7CBA730}" type="datetimeFigureOut">
               <a:rPr lang="zh-CN" altLang="en-US" smtClean="0"/>
-              <a:t>21/1/3</a:t>
+              <a:t>21/1/5</a:t>
             </a:fld>
             <a:endParaRPr lang="zh-CN" altLang="en-US"/>
           </a:p>
@@ -17395,7 +17245,7 @@
           <a:p>
             <a:fld id="{530820CF-B880-4189-942D-D702A7CBA730}" type="datetimeFigureOut">
               <a:rPr lang="zh-CN" altLang="en-US" smtClean="0"/>
-              <a:t>21/1/3</a:t>
+              <a:t>21/1/5</a:t>
             </a:fld>
             <a:endParaRPr lang="zh-CN" altLang="en-US"/>
           </a:p>
@@ -19035,6 +18885,11 @@
           </p:cNvGraphicFramePr>
           <p:nvPr>
             <p:ph idx="1"/>
+            <p:extLst>
+              <p:ext uri="{D42A27DB-BD31-4B8C-83A1-F6EECF244321}">
+                <p14:modId xmlns:p14="http://schemas.microsoft.com/office/powerpoint/2010/main" val="3673414949"/>
+              </p:ext>
+            </p:extLst>
           </p:nvPr>
         </p:nvGraphicFramePr>
         <p:xfrm>
@@ -22701,7 +22556,7 @@
           <p:nvPr>
             <p:extLst>
               <p:ext uri="{D42A27DB-BD31-4B8C-83A1-F6EECF244321}">
-                <p14:modId xmlns:p14="http://schemas.microsoft.com/office/powerpoint/2010/main" val="577955858"/>
+                <p14:modId xmlns:p14="http://schemas.microsoft.com/office/powerpoint/2010/main" val="3296933391"/>
               </p:ext>
             </p:extLst>
           </p:nvPr>
@@ -23724,6 +23579,11 @@
           </p:cNvGraphicFramePr>
           <p:nvPr>
             <p:ph idx="1"/>
+            <p:extLst>
+              <p:ext uri="{D42A27DB-BD31-4B8C-83A1-F6EECF244321}">
+                <p14:modId xmlns:p14="http://schemas.microsoft.com/office/powerpoint/2010/main" val="3273127819"/>
+              </p:ext>
+            </p:extLst>
           </p:nvPr>
         </p:nvGraphicFramePr>
         <p:xfrm>
